--- a/Challenge_Team1_v2.pptx
+++ b/Challenge_Team1_v2.pptx
@@ -5,10 +5,10 @@
     <p:sldMasterId id="2147483648" r:id="rId1"/>
   </p:sldMasterIdLst>
   <p:notesMasterIdLst>
-    <p:notesMasterId r:id="rId8"/>
+    <p:notesMasterId r:id="rId9"/>
   </p:notesMasterIdLst>
   <p:handoutMasterIdLst>
-    <p:handoutMasterId r:id="rId9"/>
+    <p:handoutMasterId r:id="rId10"/>
   </p:handoutMasterIdLst>
   <p:sldIdLst>
     <p:sldId id="256" r:id="rId2"/>
@@ -17,6 +17,7 @@
     <p:sldId id="272" r:id="rId5"/>
     <p:sldId id="276" r:id="rId6"/>
     <p:sldId id="273" r:id="rId7"/>
+    <p:sldId id="278" r:id="rId8"/>
   </p:sldIdLst>
   <p:sldSz cx="12192000" cy="6858000"/>
   <p:notesSz cx="6858000" cy="9144000"/>
@@ -220,7 +221,7 @@
           <a:p>
             <a:fld id="{30319E99-684A-4848-AC18-DF22AACC6AD2}" type="datetimeFigureOut">
               <a:rPr lang="en-US" smtClean="0"/>
-              <a:t>3/16/2022</a:t>
+              <a:t>3/16/22</a:t>
             </a:fld>
             <a:endParaRPr lang="en-US"/>
           </a:p>
@@ -397,7 +398,7 @@
           <a:p>
             <a:fld id="{9CBA8472-4482-C946-AA49-92B9FCC08827}" type="datetimeFigureOut">
               <a:rPr lang="en-US" smtClean="0"/>
-              <a:t>3/16/2022</a:t>
+              <a:t>3/16/22</a:t>
             </a:fld>
             <a:endParaRPr lang="en-US"/>
           </a:p>
@@ -1342,234 +1343,88 @@
           </a:p>
         </p:txBody>
       </p:sp>
+      <p:pic>
+        <p:nvPicPr>
+          <p:cNvPr id="12" name="Graphic 11">
+            <a:extLst>
+              <a:ext uri="{FF2B5EF4-FFF2-40B4-BE49-F238E27FC236}">
+                <a16:creationId xmlns:a16="http://schemas.microsoft.com/office/drawing/2014/main" id="{04429512-4316-FC4F-BE83-E2E9F9DA7B05}"/>
+              </a:ext>
+            </a:extLst>
+          </p:cNvPr>
+          <p:cNvPicPr>
+            <a:picLocks noChangeAspect="1"/>
+          </p:cNvPicPr>
+          <p:nvPr userDrawn="1"/>
+        </p:nvPicPr>
+        <p:blipFill>
+          <a:blip r:embed="rId3">
+            <a:extLst>
+              <a:ext uri="{96DAC541-7B7A-43D3-8B79-37D633B846F1}">
+                <asvg:svgBlip xmlns:asvg="http://schemas.microsoft.com/office/drawing/2016/SVG/main" r:embed="rId4"/>
+              </a:ext>
+            </a:extLst>
+          </a:blip>
+          <a:stretch>
+            <a:fillRect/>
+          </a:stretch>
+        </p:blipFill>
+        <p:spPr>
+          <a:xfrm>
+            <a:off x="979199" y="65308"/>
+            <a:ext cx="752860" cy="540515"/>
+          </a:xfrm>
+          <a:prstGeom prst="rect">
+            <a:avLst/>
+          </a:prstGeom>
+        </p:spPr>
+      </p:pic>
+      <p:sp>
+        <p:nvSpPr>
+          <p:cNvPr id="13" name="TextBox 12">
+            <a:extLst>
+              <a:ext uri="{FF2B5EF4-FFF2-40B4-BE49-F238E27FC236}">
+                <a16:creationId xmlns:a16="http://schemas.microsoft.com/office/drawing/2014/main" id="{A3EB88B9-9694-D349-9659-7ABF8F09EDEC}"/>
+              </a:ext>
+            </a:extLst>
+          </p:cNvPr>
+          <p:cNvSpPr txBox="1"/>
+          <p:nvPr userDrawn="1"/>
+        </p:nvSpPr>
+        <p:spPr>
+          <a:xfrm>
+            <a:off x="697832" y="74208"/>
+            <a:ext cx="274625" cy="540516"/>
+          </a:xfrm>
+          <a:prstGeom prst="rect">
+            <a:avLst/>
+          </a:prstGeom>
+        </p:spPr>
+        <p:txBody>
+          <a:bodyPr vert="horz" wrap="square" lIns="91440" tIns="45720" rIns="91440" bIns="45720" rtlCol="0" anchor="ctr">
+            <a:normAutofit fontScale="92500" lnSpcReduction="20000"/>
+          </a:bodyPr>
+          <a:lstStyle/>
+          <a:p>
+            <a:pPr algn="ctr"/>
+            <a:r>
+              <a:rPr lang="en-US" sz="3600" dirty="0">
+                <a:solidFill>
+                  <a:schemeClr val="bg1"/>
+                </a:solidFill>
+                <a:latin typeface="Tahoma" panose="020B0604030504040204" pitchFamily="34" charset="0"/>
+                <a:ea typeface="Tahoma" panose="020B0604030504040204" pitchFamily="34" charset="0"/>
+                <a:cs typeface="Tahoma" panose="020B0604030504040204" pitchFamily="34" charset="0"/>
+              </a:rPr>
+              <a:t>|</a:t>
+            </a:r>
+          </a:p>
+        </p:txBody>
+      </p:sp>
     </p:spTree>
     <p:extLst>
       <p:ext uri="{BB962C8B-B14F-4D97-AF65-F5344CB8AC3E}">
         <p14:creationId xmlns:p14="http://schemas.microsoft.com/office/powerpoint/2010/main" val="3681593483"/>
-      </p:ext>
-    </p:extLst>
-  </p:cSld>
-  <p:clrMapOvr>
-    <a:masterClrMapping/>
-  </p:clrMapOvr>
-</p:sldLayout>
-</file>
-
-<file path=ppt/slideLayouts/slideLayout10.xml><?xml version="1.0" encoding="utf-8"?>
-<p:sldLayout xmlns:a="http://schemas.openxmlformats.org/drawingml/2006/main" xmlns:r="http://schemas.openxmlformats.org/officeDocument/2006/relationships" xmlns:p="http://schemas.openxmlformats.org/presentationml/2006/main" type="title">
-  <p:cSld name="标题幻灯片">
-    <p:spTree>
-      <p:nvGrpSpPr>
-        <p:cNvPr id="1" name=""/>
-        <p:cNvGrpSpPr/>
-        <p:nvPr/>
-      </p:nvGrpSpPr>
-      <p:grpSpPr>
-        <a:xfrm>
-          <a:off x="0" y="0"/>
-          <a:ext cx="0" cy="0"/>
-          <a:chOff x="0" y="0"/>
-          <a:chExt cx="0" cy="0"/>
-        </a:xfrm>
-      </p:grpSpPr>
-      <p:sp>
-        <p:nvSpPr>
-          <p:cNvPr id="2" name="标题 1">
-            <a:extLst>
-              <a:ext uri="{FF2B5EF4-FFF2-40B4-BE49-F238E27FC236}">
-                <a16:creationId xmlns:a16="http://schemas.microsoft.com/office/drawing/2014/main" id="{1039B8D6-7CE2-B546-A825-F5E19622D024}"/>
-              </a:ext>
-            </a:extLst>
-          </p:cNvPr>
-          <p:cNvSpPr>
-            <a:spLocks noGrp="1"/>
-          </p:cNvSpPr>
-          <p:nvPr>
-            <p:ph type="ctrTitle"/>
-          </p:nvPr>
-        </p:nvSpPr>
-        <p:spPr>
-          <a:xfrm>
-            <a:off x="1524000" y="1122363"/>
-            <a:ext cx="9144000" cy="2387600"/>
-          </a:xfrm>
-        </p:spPr>
-        <p:txBody>
-          <a:bodyPr anchor="b"/>
-          <a:lstStyle>
-            <a:lvl1pPr algn="ctr">
-              <a:defRPr sz="6000"/>
-            </a:lvl1pPr>
-          </a:lstStyle>
-          <a:p>
-            <a:r>
-              <a:rPr kumimoji="1" lang="zh-CN" altLang="en-US"/>
-              <a:t>单击此处编辑母版标题样式</a:t>
-            </a:r>
-          </a:p>
-        </p:txBody>
-      </p:sp>
-      <p:sp>
-        <p:nvSpPr>
-          <p:cNvPr id="3" name="副标题 2">
-            <a:extLst>
-              <a:ext uri="{FF2B5EF4-FFF2-40B4-BE49-F238E27FC236}">
-                <a16:creationId xmlns:a16="http://schemas.microsoft.com/office/drawing/2014/main" id="{43731684-6CA3-214D-BDD4-8741E6D1BF4C}"/>
-              </a:ext>
-            </a:extLst>
-          </p:cNvPr>
-          <p:cNvSpPr>
-            <a:spLocks noGrp="1"/>
-          </p:cNvSpPr>
-          <p:nvPr>
-            <p:ph type="subTitle" idx="1"/>
-          </p:nvPr>
-        </p:nvSpPr>
-        <p:spPr>
-          <a:xfrm>
-            <a:off x="1524000" y="3602038"/>
-            <a:ext cx="9144000" cy="1655762"/>
-          </a:xfrm>
-        </p:spPr>
-        <p:txBody>
-          <a:bodyPr/>
-          <a:lstStyle>
-            <a:lvl1pPr marL="0" indent="0" algn="ctr">
-              <a:buNone/>
-              <a:defRPr sz="2400"/>
-            </a:lvl1pPr>
-            <a:lvl2pPr marL="457200" indent="0" algn="ctr">
-              <a:buNone/>
-              <a:defRPr sz="2000"/>
-            </a:lvl2pPr>
-            <a:lvl3pPr marL="914400" indent="0" algn="ctr">
-              <a:buNone/>
-              <a:defRPr sz="1800"/>
-            </a:lvl3pPr>
-            <a:lvl4pPr marL="1371600" indent="0" algn="ctr">
-              <a:buNone/>
-              <a:defRPr sz="1600"/>
-            </a:lvl4pPr>
-            <a:lvl5pPr marL="1828800" indent="0" algn="ctr">
-              <a:buNone/>
-              <a:defRPr sz="1600"/>
-            </a:lvl5pPr>
-            <a:lvl6pPr marL="2286000" indent="0" algn="ctr">
-              <a:buNone/>
-              <a:defRPr sz="1600"/>
-            </a:lvl6pPr>
-            <a:lvl7pPr marL="2743200" indent="0" algn="ctr">
-              <a:buNone/>
-              <a:defRPr sz="1600"/>
-            </a:lvl7pPr>
-            <a:lvl8pPr marL="3200400" indent="0" algn="ctr">
-              <a:buNone/>
-              <a:defRPr sz="1600"/>
-            </a:lvl8pPr>
-            <a:lvl9pPr marL="3657600" indent="0" algn="ctr">
-              <a:buNone/>
-              <a:defRPr sz="1600"/>
-            </a:lvl9pPr>
-          </a:lstStyle>
-          <a:p>
-            <a:r>
-              <a:rPr kumimoji="1" lang="zh-CN" altLang="en-US"/>
-              <a:t>单击此处编辑母版副标题样式</a:t>
-            </a:r>
-          </a:p>
-        </p:txBody>
-      </p:sp>
-      <p:sp>
-        <p:nvSpPr>
-          <p:cNvPr id="4" name="日期占位符 3">
-            <a:extLst>
-              <a:ext uri="{FF2B5EF4-FFF2-40B4-BE49-F238E27FC236}">
-                <a16:creationId xmlns:a16="http://schemas.microsoft.com/office/drawing/2014/main" id="{3051A62E-63A6-0646-8743-F0398904E24C}"/>
-              </a:ext>
-            </a:extLst>
-          </p:cNvPr>
-          <p:cNvSpPr>
-            <a:spLocks noGrp="1"/>
-          </p:cNvSpPr>
-          <p:nvPr>
-            <p:ph type="dt" sz="half" idx="10"/>
-          </p:nvPr>
-        </p:nvSpPr>
-        <p:spPr/>
-        <p:txBody>
-          <a:bodyPr/>
-          <a:lstStyle/>
-          <a:p>
-            <a:fld id="{3B723863-7632-E340-8CE9-B0CD0BBE95A9}" type="datetime4">
-              <a:rPr kumimoji="1" lang="en-US" altLang="zh-CN" smtClean="0"/>
-              <a:t>March 16, 2022</a:t>
-            </a:fld>
-            <a:endParaRPr kumimoji="1" lang="zh-CN" altLang="en-US"/>
-          </a:p>
-        </p:txBody>
-      </p:sp>
-      <p:sp>
-        <p:nvSpPr>
-          <p:cNvPr id="5" name="页脚占位符 4">
-            <a:extLst>
-              <a:ext uri="{FF2B5EF4-FFF2-40B4-BE49-F238E27FC236}">
-                <a16:creationId xmlns:a16="http://schemas.microsoft.com/office/drawing/2014/main" id="{6908589D-8C17-284E-AF7A-6A2B5531CB39}"/>
-              </a:ext>
-            </a:extLst>
-          </p:cNvPr>
-          <p:cNvSpPr>
-            <a:spLocks noGrp="1"/>
-          </p:cNvSpPr>
-          <p:nvPr>
-            <p:ph type="ftr" sz="quarter" idx="11"/>
-          </p:nvPr>
-        </p:nvSpPr>
-        <p:spPr/>
-        <p:txBody>
-          <a:bodyPr/>
-          <a:lstStyle/>
-          <a:p>
-            <a:r>
-              <a:rPr kumimoji="1" lang="en-US" altLang="zh-CN"/>
-              <a:t>Group 6</a:t>
-            </a:r>
-            <a:endParaRPr kumimoji="1" lang="zh-CN" altLang="en-US"/>
-          </a:p>
-        </p:txBody>
-      </p:sp>
-      <p:sp>
-        <p:nvSpPr>
-          <p:cNvPr id="6" name="灯片编号占位符 5">
-            <a:extLst>
-              <a:ext uri="{FF2B5EF4-FFF2-40B4-BE49-F238E27FC236}">
-                <a16:creationId xmlns:a16="http://schemas.microsoft.com/office/drawing/2014/main" id="{8953E200-482A-FF41-8355-0F80248A5FCC}"/>
-              </a:ext>
-            </a:extLst>
-          </p:cNvPr>
-          <p:cNvSpPr>
-            <a:spLocks noGrp="1"/>
-          </p:cNvSpPr>
-          <p:nvPr>
-            <p:ph type="sldNum" sz="quarter" idx="12"/>
-          </p:nvPr>
-        </p:nvSpPr>
-        <p:spPr/>
-        <p:txBody>
-          <a:bodyPr/>
-          <a:lstStyle/>
-          <a:p>
-            <a:fld id="{163FAE7B-2003-D046-A35F-CAC0141A3A36}" type="slidenum">
-              <a:rPr kumimoji="1" lang="zh-CN" altLang="en-US" smtClean="0"/>
-              <a:t>‹#›</a:t>
-            </a:fld>
-            <a:endParaRPr kumimoji="1" lang="zh-CN" altLang="en-US"/>
-          </a:p>
-        </p:txBody>
-      </p:sp>
-    </p:spTree>
-    <p:extLst>
-      <p:ext uri="{BB962C8B-B14F-4D97-AF65-F5344CB8AC3E}">
-        <p14:creationId xmlns:p14="http://schemas.microsoft.com/office/powerpoint/2010/main" val="4038954479"/>
       </p:ext>
     </p:extLst>
   </p:cSld>
@@ -1945,6 +1800,84 @@
           </p:spPr>
         </p:pic>
       </p:grpSp>
+      <p:pic>
+        <p:nvPicPr>
+          <p:cNvPr id="10" name="Graphic 9">
+            <a:extLst>
+              <a:ext uri="{FF2B5EF4-FFF2-40B4-BE49-F238E27FC236}">
+                <a16:creationId xmlns:a16="http://schemas.microsoft.com/office/drawing/2014/main" id="{4C0124D4-AD8A-2B44-A1B1-0F5A1D8C3C75}"/>
+              </a:ext>
+            </a:extLst>
+          </p:cNvPr>
+          <p:cNvPicPr>
+            <a:picLocks noChangeAspect="1"/>
+          </p:cNvPicPr>
+          <p:nvPr userDrawn="1"/>
+        </p:nvPicPr>
+        <p:blipFill>
+          <a:blip r:embed="rId3">
+            <a:extLst>
+              <a:ext uri="{96DAC541-7B7A-43D3-8B79-37D633B846F1}">
+                <asvg:svgBlip xmlns:asvg="http://schemas.microsoft.com/office/drawing/2016/SVG/main" r:embed="rId4"/>
+              </a:ext>
+            </a:extLst>
+          </a:blip>
+          <a:stretch>
+            <a:fillRect/>
+          </a:stretch>
+        </p:blipFill>
+        <p:spPr>
+          <a:xfrm>
+            <a:off x="979199" y="65308"/>
+            <a:ext cx="752860" cy="540515"/>
+          </a:xfrm>
+          <a:prstGeom prst="rect">
+            <a:avLst/>
+          </a:prstGeom>
+        </p:spPr>
+      </p:pic>
+      <p:sp>
+        <p:nvSpPr>
+          <p:cNvPr id="11" name="TextBox 10">
+            <a:extLst>
+              <a:ext uri="{FF2B5EF4-FFF2-40B4-BE49-F238E27FC236}">
+                <a16:creationId xmlns:a16="http://schemas.microsoft.com/office/drawing/2014/main" id="{A7CCD8BB-7B05-4746-970A-80A9A83E567E}"/>
+              </a:ext>
+            </a:extLst>
+          </p:cNvPr>
+          <p:cNvSpPr txBox="1"/>
+          <p:nvPr userDrawn="1"/>
+        </p:nvSpPr>
+        <p:spPr>
+          <a:xfrm>
+            <a:off x="697832" y="74208"/>
+            <a:ext cx="274625" cy="540516"/>
+          </a:xfrm>
+          <a:prstGeom prst="rect">
+            <a:avLst/>
+          </a:prstGeom>
+        </p:spPr>
+        <p:txBody>
+          <a:bodyPr vert="horz" wrap="square" lIns="91440" tIns="45720" rIns="91440" bIns="45720" rtlCol="0" anchor="ctr">
+            <a:normAutofit fontScale="92500" lnSpcReduction="20000"/>
+          </a:bodyPr>
+          <a:lstStyle/>
+          <a:p>
+            <a:pPr algn="ctr"/>
+            <a:r>
+              <a:rPr lang="en-US" sz="3600" dirty="0">
+                <a:solidFill>
+                  <a:schemeClr val="bg1"/>
+                </a:solidFill>
+                <a:latin typeface="Tahoma" panose="020B0604030504040204" pitchFamily="34" charset="0"/>
+                <a:ea typeface="Tahoma" panose="020B0604030504040204" pitchFamily="34" charset="0"/>
+                <a:cs typeface="Tahoma" panose="020B0604030504040204" pitchFamily="34" charset="0"/>
+              </a:rPr>
+              <a:t>|</a:t>
+            </a:r>
+          </a:p>
+        </p:txBody>
+      </p:sp>
     </p:spTree>
     <p:extLst>
       <p:ext uri="{BB962C8B-B14F-4D97-AF65-F5344CB8AC3E}">
@@ -2357,6 +2290,84 @@
           </p:spPr>
         </p:pic>
       </p:grpSp>
+      <p:pic>
+        <p:nvPicPr>
+          <p:cNvPr id="10" name="Graphic 9">
+            <a:extLst>
+              <a:ext uri="{FF2B5EF4-FFF2-40B4-BE49-F238E27FC236}">
+                <a16:creationId xmlns:a16="http://schemas.microsoft.com/office/drawing/2014/main" id="{05F3F1F3-2526-0B42-A611-A8DBC8529462}"/>
+              </a:ext>
+            </a:extLst>
+          </p:cNvPr>
+          <p:cNvPicPr>
+            <a:picLocks noChangeAspect="1"/>
+          </p:cNvPicPr>
+          <p:nvPr userDrawn="1"/>
+        </p:nvPicPr>
+        <p:blipFill>
+          <a:blip r:embed="rId3">
+            <a:extLst>
+              <a:ext uri="{96DAC541-7B7A-43D3-8B79-37D633B846F1}">
+                <asvg:svgBlip xmlns:asvg="http://schemas.microsoft.com/office/drawing/2016/SVG/main" r:embed="rId4"/>
+              </a:ext>
+            </a:extLst>
+          </a:blip>
+          <a:stretch>
+            <a:fillRect/>
+          </a:stretch>
+        </p:blipFill>
+        <p:spPr>
+          <a:xfrm>
+            <a:off x="979199" y="65308"/>
+            <a:ext cx="752860" cy="540515"/>
+          </a:xfrm>
+          <a:prstGeom prst="rect">
+            <a:avLst/>
+          </a:prstGeom>
+        </p:spPr>
+      </p:pic>
+      <p:sp>
+        <p:nvSpPr>
+          <p:cNvPr id="11" name="TextBox 10">
+            <a:extLst>
+              <a:ext uri="{FF2B5EF4-FFF2-40B4-BE49-F238E27FC236}">
+                <a16:creationId xmlns:a16="http://schemas.microsoft.com/office/drawing/2014/main" id="{54FE8D1D-9A25-7041-A8B7-E34E50D74529}"/>
+              </a:ext>
+            </a:extLst>
+          </p:cNvPr>
+          <p:cNvSpPr txBox="1"/>
+          <p:nvPr userDrawn="1"/>
+        </p:nvSpPr>
+        <p:spPr>
+          <a:xfrm>
+            <a:off x="697832" y="74208"/>
+            <a:ext cx="274625" cy="540516"/>
+          </a:xfrm>
+          <a:prstGeom prst="rect">
+            <a:avLst/>
+          </a:prstGeom>
+        </p:spPr>
+        <p:txBody>
+          <a:bodyPr vert="horz" wrap="square" lIns="91440" tIns="45720" rIns="91440" bIns="45720" rtlCol="0" anchor="ctr">
+            <a:normAutofit fontScale="92500" lnSpcReduction="20000"/>
+          </a:bodyPr>
+          <a:lstStyle/>
+          <a:p>
+            <a:pPr algn="ctr"/>
+            <a:r>
+              <a:rPr lang="en-US" sz="3600" dirty="0">
+                <a:solidFill>
+                  <a:schemeClr val="bg1"/>
+                </a:solidFill>
+                <a:latin typeface="Tahoma" panose="020B0604030504040204" pitchFamily="34" charset="0"/>
+                <a:ea typeface="Tahoma" panose="020B0604030504040204" pitchFamily="34" charset="0"/>
+                <a:cs typeface="Tahoma" panose="020B0604030504040204" pitchFamily="34" charset="0"/>
+              </a:rPr>
+              <a:t>|</a:t>
+            </a:r>
+          </a:p>
+        </p:txBody>
+      </p:sp>
     </p:spTree>
     <p:extLst>
       <p:ext uri="{BB962C8B-B14F-4D97-AF65-F5344CB8AC3E}">
@@ -2838,6 +2849,84 @@
           </p:spPr>
         </p:pic>
       </p:grpSp>
+      <p:pic>
+        <p:nvPicPr>
+          <p:cNvPr id="11" name="Graphic 10">
+            <a:extLst>
+              <a:ext uri="{FF2B5EF4-FFF2-40B4-BE49-F238E27FC236}">
+                <a16:creationId xmlns:a16="http://schemas.microsoft.com/office/drawing/2014/main" id="{B13351D4-B3E1-394D-A9AF-AC7CA58269FB}"/>
+              </a:ext>
+            </a:extLst>
+          </p:cNvPr>
+          <p:cNvPicPr>
+            <a:picLocks noChangeAspect="1"/>
+          </p:cNvPicPr>
+          <p:nvPr userDrawn="1"/>
+        </p:nvPicPr>
+        <p:blipFill>
+          <a:blip r:embed="rId3">
+            <a:extLst>
+              <a:ext uri="{96DAC541-7B7A-43D3-8B79-37D633B846F1}">
+                <asvg:svgBlip xmlns:asvg="http://schemas.microsoft.com/office/drawing/2016/SVG/main" r:embed="rId4"/>
+              </a:ext>
+            </a:extLst>
+          </a:blip>
+          <a:stretch>
+            <a:fillRect/>
+          </a:stretch>
+        </p:blipFill>
+        <p:spPr>
+          <a:xfrm>
+            <a:off x="979199" y="65308"/>
+            <a:ext cx="752860" cy="540515"/>
+          </a:xfrm>
+          <a:prstGeom prst="rect">
+            <a:avLst/>
+          </a:prstGeom>
+        </p:spPr>
+      </p:pic>
+      <p:sp>
+        <p:nvSpPr>
+          <p:cNvPr id="12" name="TextBox 11">
+            <a:extLst>
+              <a:ext uri="{FF2B5EF4-FFF2-40B4-BE49-F238E27FC236}">
+                <a16:creationId xmlns:a16="http://schemas.microsoft.com/office/drawing/2014/main" id="{F28BCEA6-F9B6-D648-9CF7-5629A6334032}"/>
+              </a:ext>
+            </a:extLst>
+          </p:cNvPr>
+          <p:cNvSpPr txBox="1"/>
+          <p:nvPr userDrawn="1"/>
+        </p:nvSpPr>
+        <p:spPr>
+          <a:xfrm>
+            <a:off x="697832" y="74208"/>
+            <a:ext cx="274625" cy="540516"/>
+          </a:xfrm>
+          <a:prstGeom prst="rect">
+            <a:avLst/>
+          </a:prstGeom>
+        </p:spPr>
+        <p:txBody>
+          <a:bodyPr vert="horz" wrap="square" lIns="91440" tIns="45720" rIns="91440" bIns="45720" rtlCol="0" anchor="ctr">
+            <a:normAutofit fontScale="92500" lnSpcReduction="20000"/>
+          </a:bodyPr>
+          <a:lstStyle/>
+          <a:p>
+            <a:pPr algn="ctr"/>
+            <a:r>
+              <a:rPr lang="en-US" sz="3600" dirty="0">
+                <a:solidFill>
+                  <a:schemeClr val="bg1"/>
+                </a:solidFill>
+                <a:latin typeface="Tahoma" panose="020B0604030504040204" pitchFamily="34" charset="0"/>
+                <a:ea typeface="Tahoma" panose="020B0604030504040204" pitchFamily="34" charset="0"/>
+                <a:cs typeface="Tahoma" panose="020B0604030504040204" pitchFamily="34" charset="0"/>
+              </a:rPr>
+              <a:t>|</a:t>
+            </a:r>
+          </a:p>
+        </p:txBody>
+      </p:sp>
     </p:spTree>
     <p:extLst>
       <p:ext uri="{BB962C8B-B14F-4D97-AF65-F5344CB8AC3E}">
@@ -3469,6 +3558,84 @@
           </p:spPr>
         </p:pic>
       </p:grpSp>
+      <p:pic>
+        <p:nvPicPr>
+          <p:cNvPr id="13" name="Graphic 12">
+            <a:extLst>
+              <a:ext uri="{FF2B5EF4-FFF2-40B4-BE49-F238E27FC236}">
+                <a16:creationId xmlns:a16="http://schemas.microsoft.com/office/drawing/2014/main" id="{82948EAC-4468-084A-8B96-0C5F17921F64}"/>
+              </a:ext>
+            </a:extLst>
+          </p:cNvPr>
+          <p:cNvPicPr>
+            <a:picLocks noChangeAspect="1"/>
+          </p:cNvPicPr>
+          <p:nvPr userDrawn="1"/>
+        </p:nvPicPr>
+        <p:blipFill>
+          <a:blip r:embed="rId3">
+            <a:extLst>
+              <a:ext uri="{96DAC541-7B7A-43D3-8B79-37D633B846F1}">
+                <asvg:svgBlip xmlns:asvg="http://schemas.microsoft.com/office/drawing/2016/SVG/main" r:embed="rId4"/>
+              </a:ext>
+            </a:extLst>
+          </a:blip>
+          <a:stretch>
+            <a:fillRect/>
+          </a:stretch>
+        </p:blipFill>
+        <p:spPr>
+          <a:xfrm>
+            <a:off x="979199" y="65308"/>
+            <a:ext cx="752860" cy="540515"/>
+          </a:xfrm>
+          <a:prstGeom prst="rect">
+            <a:avLst/>
+          </a:prstGeom>
+        </p:spPr>
+      </p:pic>
+      <p:sp>
+        <p:nvSpPr>
+          <p:cNvPr id="14" name="TextBox 13">
+            <a:extLst>
+              <a:ext uri="{FF2B5EF4-FFF2-40B4-BE49-F238E27FC236}">
+                <a16:creationId xmlns:a16="http://schemas.microsoft.com/office/drawing/2014/main" id="{63D258E4-0691-EA42-9F16-DB359DA1A615}"/>
+              </a:ext>
+            </a:extLst>
+          </p:cNvPr>
+          <p:cNvSpPr txBox="1"/>
+          <p:nvPr userDrawn="1"/>
+        </p:nvSpPr>
+        <p:spPr>
+          <a:xfrm>
+            <a:off x="697832" y="74208"/>
+            <a:ext cx="274625" cy="540516"/>
+          </a:xfrm>
+          <a:prstGeom prst="rect">
+            <a:avLst/>
+          </a:prstGeom>
+        </p:spPr>
+        <p:txBody>
+          <a:bodyPr vert="horz" wrap="square" lIns="91440" tIns="45720" rIns="91440" bIns="45720" rtlCol="0" anchor="ctr">
+            <a:normAutofit fontScale="92500" lnSpcReduction="20000"/>
+          </a:bodyPr>
+          <a:lstStyle/>
+          <a:p>
+            <a:pPr algn="ctr"/>
+            <a:r>
+              <a:rPr lang="en-US" sz="3600" dirty="0">
+                <a:solidFill>
+                  <a:schemeClr val="bg1"/>
+                </a:solidFill>
+                <a:latin typeface="Tahoma" panose="020B0604030504040204" pitchFamily="34" charset="0"/>
+                <a:ea typeface="Tahoma" panose="020B0604030504040204" pitchFamily="34" charset="0"/>
+                <a:cs typeface="Tahoma" panose="020B0604030504040204" pitchFamily="34" charset="0"/>
+              </a:rPr>
+              <a:t>|</a:t>
+            </a:r>
+          </a:p>
+        </p:txBody>
+      </p:sp>
     </p:spTree>
     <p:extLst>
       <p:ext uri="{BB962C8B-B14F-4D97-AF65-F5344CB8AC3E}">
@@ -3754,6 +3921,84 @@
           </p:spPr>
         </p:pic>
       </p:grpSp>
+      <p:pic>
+        <p:nvPicPr>
+          <p:cNvPr id="9" name="Graphic 8">
+            <a:extLst>
+              <a:ext uri="{FF2B5EF4-FFF2-40B4-BE49-F238E27FC236}">
+                <a16:creationId xmlns:a16="http://schemas.microsoft.com/office/drawing/2014/main" id="{F5A9EE85-E318-424C-8AF5-4808A2EF68D5}"/>
+              </a:ext>
+            </a:extLst>
+          </p:cNvPr>
+          <p:cNvPicPr>
+            <a:picLocks noChangeAspect="1"/>
+          </p:cNvPicPr>
+          <p:nvPr userDrawn="1"/>
+        </p:nvPicPr>
+        <p:blipFill>
+          <a:blip r:embed="rId3">
+            <a:extLst>
+              <a:ext uri="{96DAC541-7B7A-43D3-8B79-37D633B846F1}">
+                <asvg:svgBlip xmlns:asvg="http://schemas.microsoft.com/office/drawing/2016/SVG/main" r:embed="rId4"/>
+              </a:ext>
+            </a:extLst>
+          </a:blip>
+          <a:stretch>
+            <a:fillRect/>
+          </a:stretch>
+        </p:blipFill>
+        <p:spPr>
+          <a:xfrm>
+            <a:off x="979199" y="65308"/>
+            <a:ext cx="752860" cy="540515"/>
+          </a:xfrm>
+          <a:prstGeom prst="rect">
+            <a:avLst/>
+          </a:prstGeom>
+        </p:spPr>
+      </p:pic>
+      <p:sp>
+        <p:nvSpPr>
+          <p:cNvPr id="10" name="TextBox 9">
+            <a:extLst>
+              <a:ext uri="{FF2B5EF4-FFF2-40B4-BE49-F238E27FC236}">
+                <a16:creationId xmlns:a16="http://schemas.microsoft.com/office/drawing/2014/main" id="{84E6DC22-D5BD-F24B-9E78-B5B4F4048433}"/>
+              </a:ext>
+            </a:extLst>
+          </p:cNvPr>
+          <p:cNvSpPr txBox="1"/>
+          <p:nvPr userDrawn="1"/>
+        </p:nvSpPr>
+        <p:spPr>
+          <a:xfrm>
+            <a:off x="697832" y="74208"/>
+            <a:ext cx="274625" cy="540516"/>
+          </a:xfrm>
+          <a:prstGeom prst="rect">
+            <a:avLst/>
+          </a:prstGeom>
+        </p:spPr>
+        <p:txBody>
+          <a:bodyPr vert="horz" wrap="square" lIns="91440" tIns="45720" rIns="91440" bIns="45720" rtlCol="0" anchor="ctr">
+            <a:normAutofit fontScale="92500" lnSpcReduction="20000"/>
+          </a:bodyPr>
+          <a:lstStyle/>
+          <a:p>
+            <a:pPr algn="ctr"/>
+            <a:r>
+              <a:rPr lang="en-US" sz="3600" dirty="0">
+                <a:solidFill>
+                  <a:schemeClr val="bg1"/>
+                </a:solidFill>
+                <a:latin typeface="Tahoma" panose="020B0604030504040204" pitchFamily="34" charset="0"/>
+                <a:ea typeface="Tahoma" panose="020B0604030504040204" pitchFamily="34" charset="0"/>
+                <a:cs typeface="Tahoma" panose="020B0604030504040204" pitchFamily="34" charset="0"/>
+              </a:rPr>
+              <a:t>|</a:t>
+            </a:r>
+          </a:p>
+        </p:txBody>
+      </p:sp>
     </p:spTree>
     <p:extLst>
       <p:ext uri="{BB962C8B-B14F-4D97-AF65-F5344CB8AC3E}">
@@ -3996,6 +4241,84 @@
           </p:spPr>
         </p:pic>
       </p:grpSp>
+      <p:pic>
+        <p:nvPicPr>
+          <p:cNvPr id="8" name="Graphic 7">
+            <a:extLst>
+              <a:ext uri="{FF2B5EF4-FFF2-40B4-BE49-F238E27FC236}">
+                <a16:creationId xmlns:a16="http://schemas.microsoft.com/office/drawing/2014/main" id="{6CC18A41-6D8A-934C-8A96-798050A272CE}"/>
+              </a:ext>
+            </a:extLst>
+          </p:cNvPr>
+          <p:cNvPicPr>
+            <a:picLocks noChangeAspect="1"/>
+          </p:cNvPicPr>
+          <p:nvPr userDrawn="1"/>
+        </p:nvPicPr>
+        <p:blipFill>
+          <a:blip r:embed="rId3">
+            <a:extLst>
+              <a:ext uri="{96DAC541-7B7A-43D3-8B79-37D633B846F1}">
+                <asvg:svgBlip xmlns:asvg="http://schemas.microsoft.com/office/drawing/2016/SVG/main" r:embed="rId4"/>
+              </a:ext>
+            </a:extLst>
+          </a:blip>
+          <a:stretch>
+            <a:fillRect/>
+          </a:stretch>
+        </p:blipFill>
+        <p:spPr>
+          <a:xfrm>
+            <a:off x="979199" y="65308"/>
+            <a:ext cx="752860" cy="540515"/>
+          </a:xfrm>
+          <a:prstGeom prst="rect">
+            <a:avLst/>
+          </a:prstGeom>
+        </p:spPr>
+      </p:pic>
+      <p:sp>
+        <p:nvSpPr>
+          <p:cNvPr id="9" name="TextBox 8">
+            <a:extLst>
+              <a:ext uri="{FF2B5EF4-FFF2-40B4-BE49-F238E27FC236}">
+                <a16:creationId xmlns:a16="http://schemas.microsoft.com/office/drawing/2014/main" id="{2BC63145-FFDC-DF47-8FEC-1F96551D270A}"/>
+              </a:ext>
+            </a:extLst>
+          </p:cNvPr>
+          <p:cNvSpPr txBox="1"/>
+          <p:nvPr userDrawn="1"/>
+        </p:nvSpPr>
+        <p:spPr>
+          <a:xfrm>
+            <a:off x="697832" y="74208"/>
+            <a:ext cx="274625" cy="540516"/>
+          </a:xfrm>
+          <a:prstGeom prst="rect">
+            <a:avLst/>
+          </a:prstGeom>
+        </p:spPr>
+        <p:txBody>
+          <a:bodyPr vert="horz" wrap="square" lIns="91440" tIns="45720" rIns="91440" bIns="45720" rtlCol="0" anchor="ctr">
+            <a:normAutofit fontScale="92500" lnSpcReduction="20000"/>
+          </a:bodyPr>
+          <a:lstStyle/>
+          <a:p>
+            <a:pPr algn="ctr"/>
+            <a:r>
+              <a:rPr lang="en-US" sz="3600" dirty="0">
+                <a:solidFill>
+                  <a:schemeClr val="bg1"/>
+                </a:solidFill>
+                <a:latin typeface="Tahoma" panose="020B0604030504040204" pitchFamily="34" charset="0"/>
+                <a:ea typeface="Tahoma" panose="020B0604030504040204" pitchFamily="34" charset="0"/>
+                <a:cs typeface="Tahoma" panose="020B0604030504040204" pitchFamily="34" charset="0"/>
+              </a:rPr>
+              <a:t>|</a:t>
+            </a:r>
+          </a:p>
+        </p:txBody>
+      </p:sp>
     </p:spTree>
     <p:extLst>
       <p:ext uri="{BB962C8B-B14F-4D97-AF65-F5344CB8AC3E}">
@@ -4464,6 +4787,84 @@
           </p:spPr>
         </p:pic>
       </p:grpSp>
+      <p:pic>
+        <p:nvPicPr>
+          <p:cNvPr id="11" name="Graphic 10">
+            <a:extLst>
+              <a:ext uri="{FF2B5EF4-FFF2-40B4-BE49-F238E27FC236}">
+                <a16:creationId xmlns:a16="http://schemas.microsoft.com/office/drawing/2014/main" id="{784E6B1F-CB49-AE4E-BB52-8C09B2D05E6C}"/>
+              </a:ext>
+            </a:extLst>
+          </p:cNvPr>
+          <p:cNvPicPr>
+            <a:picLocks noChangeAspect="1"/>
+          </p:cNvPicPr>
+          <p:nvPr userDrawn="1"/>
+        </p:nvPicPr>
+        <p:blipFill>
+          <a:blip r:embed="rId3">
+            <a:extLst>
+              <a:ext uri="{96DAC541-7B7A-43D3-8B79-37D633B846F1}">
+                <asvg:svgBlip xmlns:asvg="http://schemas.microsoft.com/office/drawing/2016/SVG/main" r:embed="rId4"/>
+              </a:ext>
+            </a:extLst>
+          </a:blip>
+          <a:stretch>
+            <a:fillRect/>
+          </a:stretch>
+        </p:blipFill>
+        <p:spPr>
+          <a:xfrm>
+            <a:off x="979199" y="65308"/>
+            <a:ext cx="752860" cy="540515"/>
+          </a:xfrm>
+          <a:prstGeom prst="rect">
+            <a:avLst/>
+          </a:prstGeom>
+        </p:spPr>
+      </p:pic>
+      <p:sp>
+        <p:nvSpPr>
+          <p:cNvPr id="12" name="TextBox 11">
+            <a:extLst>
+              <a:ext uri="{FF2B5EF4-FFF2-40B4-BE49-F238E27FC236}">
+                <a16:creationId xmlns:a16="http://schemas.microsoft.com/office/drawing/2014/main" id="{2EA18219-8FDF-F945-8D5E-5A8F299D9908}"/>
+              </a:ext>
+            </a:extLst>
+          </p:cNvPr>
+          <p:cNvSpPr txBox="1"/>
+          <p:nvPr userDrawn="1"/>
+        </p:nvSpPr>
+        <p:spPr>
+          <a:xfrm>
+            <a:off x="697832" y="74208"/>
+            <a:ext cx="274625" cy="540516"/>
+          </a:xfrm>
+          <a:prstGeom prst="rect">
+            <a:avLst/>
+          </a:prstGeom>
+        </p:spPr>
+        <p:txBody>
+          <a:bodyPr vert="horz" wrap="square" lIns="91440" tIns="45720" rIns="91440" bIns="45720" rtlCol="0" anchor="ctr">
+            <a:normAutofit fontScale="92500" lnSpcReduction="20000"/>
+          </a:bodyPr>
+          <a:lstStyle/>
+          <a:p>
+            <a:pPr algn="ctr"/>
+            <a:r>
+              <a:rPr lang="en-US" sz="3600" dirty="0">
+                <a:solidFill>
+                  <a:schemeClr val="bg1"/>
+                </a:solidFill>
+                <a:latin typeface="Tahoma" panose="020B0604030504040204" pitchFamily="34" charset="0"/>
+                <a:ea typeface="Tahoma" panose="020B0604030504040204" pitchFamily="34" charset="0"/>
+                <a:cs typeface="Tahoma" panose="020B0604030504040204" pitchFamily="34" charset="0"/>
+              </a:rPr>
+              <a:t>|</a:t>
+            </a:r>
+          </a:p>
+        </p:txBody>
+      </p:sp>
     </p:spTree>
     <p:extLst>
       <p:ext uri="{BB962C8B-B14F-4D97-AF65-F5344CB8AC3E}">
@@ -4898,6 +5299,84 @@
           </p:spPr>
         </p:pic>
       </p:grpSp>
+      <p:pic>
+        <p:nvPicPr>
+          <p:cNvPr id="11" name="Graphic 10">
+            <a:extLst>
+              <a:ext uri="{FF2B5EF4-FFF2-40B4-BE49-F238E27FC236}">
+                <a16:creationId xmlns:a16="http://schemas.microsoft.com/office/drawing/2014/main" id="{5FC4EF14-167D-EF47-9D15-EDFD89EEC9AA}"/>
+              </a:ext>
+            </a:extLst>
+          </p:cNvPr>
+          <p:cNvPicPr>
+            <a:picLocks noChangeAspect="1"/>
+          </p:cNvPicPr>
+          <p:nvPr userDrawn="1"/>
+        </p:nvPicPr>
+        <p:blipFill>
+          <a:blip r:embed="rId3">
+            <a:extLst>
+              <a:ext uri="{96DAC541-7B7A-43D3-8B79-37D633B846F1}">
+                <asvg:svgBlip xmlns:asvg="http://schemas.microsoft.com/office/drawing/2016/SVG/main" r:embed="rId4"/>
+              </a:ext>
+            </a:extLst>
+          </a:blip>
+          <a:stretch>
+            <a:fillRect/>
+          </a:stretch>
+        </p:blipFill>
+        <p:spPr>
+          <a:xfrm>
+            <a:off x="979199" y="65308"/>
+            <a:ext cx="752860" cy="540515"/>
+          </a:xfrm>
+          <a:prstGeom prst="rect">
+            <a:avLst/>
+          </a:prstGeom>
+        </p:spPr>
+      </p:pic>
+      <p:sp>
+        <p:nvSpPr>
+          <p:cNvPr id="12" name="TextBox 11">
+            <a:extLst>
+              <a:ext uri="{FF2B5EF4-FFF2-40B4-BE49-F238E27FC236}">
+                <a16:creationId xmlns:a16="http://schemas.microsoft.com/office/drawing/2014/main" id="{7FEFEA45-0917-4841-95B4-84B35F2A6773}"/>
+              </a:ext>
+            </a:extLst>
+          </p:cNvPr>
+          <p:cNvSpPr txBox="1"/>
+          <p:nvPr userDrawn="1"/>
+        </p:nvSpPr>
+        <p:spPr>
+          <a:xfrm>
+            <a:off x="697832" y="74208"/>
+            <a:ext cx="274625" cy="540516"/>
+          </a:xfrm>
+          <a:prstGeom prst="rect">
+            <a:avLst/>
+          </a:prstGeom>
+        </p:spPr>
+        <p:txBody>
+          <a:bodyPr vert="horz" wrap="square" lIns="91440" tIns="45720" rIns="91440" bIns="45720" rtlCol="0" anchor="ctr">
+            <a:normAutofit fontScale="92500" lnSpcReduction="20000"/>
+          </a:bodyPr>
+          <a:lstStyle/>
+          <a:p>
+            <a:pPr algn="ctr"/>
+            <a:r>
+              <a:rPr lang="en-US" sz="3600" dirty="0">
+                <a:solidFill>
+                  <a:schemeClr val="bg1"/>
+                </a:solidFill>
+                <a:latin typeface="Tahoma" panose="020B0604030504040204" pitchFamily="34" charset="0"/>
+                <a:ea typeface="Tahoma" panose="020B0604030504040204" pitchFamily="34" charset="0"/>
+                <a:cs typeface="Tahoma" panose="020B0604030504040204" pitchFamily="34" charset="0"/>
+              </a:rPr>
+              <a:t>|</a:t>
+            </a:r>
+          </a:p>
+        </p:txBody>
+      </p:sp>
     </p:spTree>
     <p:extLst>
       <p:ext uri="{BB962C8B-B14F-4D97-AF65-F5344CB8AC3E}">
@@ -5296,7 +5775,7 @@
             <a:lstStyle/>
             <a:p>
               <a:pPr algn="ctr"/>
-              <a:endParaRPr lang="en-US" sz="1600">
+              <a:endParaRPr lang="en-US" sz="1600" dirty="0">
                 <a:latin typeface="Tahoma" panose="020B0604030504040204" pitchFamily="34" charset="0"/>
                 <a:ea typeface="Tahoma" panose="020B0604030504040204" pitchFamily="34" charset="0"/>
                 <a:cs typeface="Tahoma" panose="020B0604030504040204" pitchFamily="34" charset="0"/>
@@ -5319,7 +5798,7 @@
             <p:nvPr userDrawn="1"/>
           </p:nvPicPr>
           <p:blipFill>
-            <a:blip r:embed="rId12"/>
+            <a:blip r:embed="rId11"/>
             <a:stretch>
               <a:fillRect/>
             </a:stretch>
@@ -5335,6 +5814,84 @@
           </p:spPr>
         </p:pic>
       </p:grpSp>
+      <p:pic>
+        <p:nvPicPr>
+          <p:cNvPr id="11" name="Graphic 10">
+            <a:extLst>
+              <a:ext uri="{FF2B5EF4-FFF2-40B4-BE49-F238E27FC236}">
+                <a16:creationId xmlns:a16="http://schemas.microsoft.com/office/drawing/2014/main" id="{25E07C84-8F1C-7F43-BC02-242F3B263929}"/>
+              </a:ext>
+            </a:extLst>
+          </p:cNvPr>
+          <p:cNvPicPr>
+            <a:picLocks noChangeAspect="1"/>
+          </p:cNvPicPr>
+          <p:nvPr userDrawn="1"/>
+        </p:nvPicPr>
+        <p:blipFill>
+          <a:blip r:embed="rId12">
+            <a:extLst>
+              <a:ext uri="{96DAC541-7B7A-43D3-8B79-37D633B846F1}">
+                <asvg:svgBlip xmlns:asvg="http://schemas.microsoft.com/office/drawing/2016/SVG/main" r:embed="rId13"/>
+              </a:ext>
+            </a:extLst>
+          </a:blip>
+          <a:stretch>
+            <a:fillRect/>
+          </a:stretch>
+        </p:blipFill>
+        <p:spPr>
+          <a:xfrm>
+            <a:off x="979199" y="65308"/>
+            <a:ext cx="752860" cy="540515"/>
+          </a:xfrm>
+          <a:prstGeom prst="rect">
+            <a:avLst/>
+          </a:prstGeom>
+        </p:spPr>
+      </p:pic>
+      <p:sp>
+        <p:nvSpPr>
+          <p:cNvPr id="12" name="TextBox 11">
+            <a:extLst>
+              <a:ext uri="{FF2B5EF4-FFF2-40B4-BE49-F238E27FC236}">
+                <a16:creationId xmlns:a16="http://schemas.microsoft.com/office/drawing/2014/main" id="{4126E6CC-34CE-E142-B8F4-C542E27B062A}"/>
+              </a:ext>
+            </a:extLst>
+          </p:cNvPr>
+          <p:cNvSpPr txBox="1"/>
+          <p:nvPr userDrawn="1"/>
+        </p:nvSpPr>
+        <p:spPr>
+          <a:xfrm>
+            <a:off x="697832" y="74208"/>
+            <a:ext cx="274625" cy="540516"/>
+          </a:xfrm>
+          <a:prstGeom prst="rect">
+            <a:avLst/>
+          </a:prstGeom>
+        </p:spPr>
+        <p:txBody>
+          <a:bodyPr vert="horz" wrap="square" lIns="91440" tIns="45720" rIns="91440" bIns="45720" rtlCol="0" anchor="ctr">
+            <a:normAutofit fontScale="92500" lnSpcReduction="20000"/>
+          </a:bodyPr>
+          <a:lstStyle/>
+          <a:p>
+            <a:pPr algn="ctr"/>
+            <a:r>
+              <a:rPr lang="en-US" sz="3600" dirty="0">
+                <a:solidFill>
+                  <a:schemeClr val="bg1"/>
+                </a:solidFill>
+                <a:latin typeface="Tahoma" panose="020B0604030504040204" pitchFamily="34" charset="0"/>
+                <a:ea typeface="Tahoma" panose="020B0604030504040204" pitchFamily="34" charset="0"/>
+                <a:cs typeface="Tahoma" panose="020B0604030504040204" pitchFamily="34" charset="0"/>
+              </a:rPr>
+              <a:t>|</a:t>
+            </a:r>
+          </a:p>
+        </p:txBody>
+      </p:sp>
     </p:spTree>
     <p:extLst>
       <p:ext uri="{BB962C8B-B14F-4D97-AF65-F5344CB8AC3E}">
@@ -5353,7 +5910,6 @@
     <p:sldLayoutId id="2147483655" r:id="rId7"/>
     <p:sldLayoutId id="2147483656" r:id="rId8"/>
     <p:sldLayoutId id="2147483657" r:id="rId9"/>
-    <p:sldLayoutId id="2147483658" r:id="rId10"/>
   </p:sldLayoutIdLst>
   <p:hf hdr="0"/>
   <p:txStyles>
@@ -5681,7 +6237,7 @@
           <a:p>
             <a:r>
               <a:rPr lang="en-US" sz="4800" dirty="0"/>
-              <a:t>LSE Earthquake Detection Challenge</a:t>
+              <a:t>LSE-Grillo Earthquake Detection Challenge</a:t>
             </a:r>
           </a:p>
         </p:txBody>
@@ -5836,7 +6392,7 @@
         </p:nvSpPr>
         <p:spPr>
           <a:xfrm>
-            <a:off x="1364918" y="230469"/>
+            <a:off x="2024133" y="230469"/>
             <a:ext cx="2286000" cy="278534"/>
           </a:xfrm>
           <a:prstGeom prst="rect">
@@ -5879,7 +6435,7 @@
         </p:nvSpPr>
         <p:spPr>
           <a:xfrm>
-            <a:off x="4953000" y="230469"/>
+            <a:off x="5612215" y="230469"/>
             <a:ext cx="2286000" cy="278534"/>
           </a:xfrm>
           <a:prstGeom prst="rect">
@@ -5922,7 +6478,7 @@
         </p:nvSpPr>
         <p:spPr>
           <a:xfrm>
-            <a:off x="8541082" y="228004"/>
+            <a:off x="9200297" y="228004"/>
             <a:ext cx="2286000" cy="283464"/>
           </a:xfrm>
           <a:prstGeom prst="rect">
@@ -6741,11 +7297,11 @@
       </p:sp>
       <p:sp>
         <p:nvSpPr>
-          <p:cNvPr id="16" name="TextBox 15">
+          <p:cNvPr id="19" name="TextBox 18">
             <a:hlinkClick r:id="rId2" action="ppaction://hlinksldjump"/>
             <a:extLst>
               <a:ext uri="{FF2B5EF4-FFF2-40B4-BE49-F238E27FC236}">
-                <a16:creationId xmlns:a16="http://schemas.microsoft.com/office/drawing/2014/main" id="{790A271A-DECF-E94C-8D7C-90AF413772F2}"/>
+                <a16:creationId xmlns:a16="http://schemas.microsoft.com/office/drawing/2014/main" id="{F9A5935E-FA35-E846-9E7D-0A54CD0C1F2A}"/>
               </a:ext>
             </a:extLst>
           </p:cNvPr>
@@ -6754,7 +7310,7 @@
         </p:nvSpPr>
         <p:spPr>
           <a:xfrm>
-            <a:off x="1364918" y="230469"/>
+            <a:off x="2024133" y="230469"/>
             <a:ext cx="2286000" cy="278534"/>
           </a:xfrm>
           <a:prstGeom prst="rect">
@@ -6784,11 +7340,11 @@
       </p:sp>
       <p:sp>
         <p:nvSpPr>
-          <p:cNvPr id="17" name="TextBox 16">
+          <p:cNvPr id="20" name="TextBox 19">
             <a:hlinkClick r:id="rId3" action="ppaction://hlinksldjump"/>
             <a:extLst>
               <a:ext uri="{FF2B5EF4-FFF2-40B4-BE49-F238E27FC236}">
-                <a16:creationId xmlns:a16="http://schemas.microsoft.com/office/drawing/2014/main" id="{6D9864CD-5FC9-924E-8EE8-4C2128534948}"/>
+                <a16:creationId xmlns:a16="http://schemas.microsoft.com/office/drawing/2014/main" id="{B1546B09-01E2-EF45-9C9E-3A2D30390991}"/>
               </a:ext>
             </a:extLst>
           </p:cNvPr>
@@ -6797,7 +7353,7 @@
         </p:nvSpPr>
         <p:spPr>
           <a:xfrm>
-            <a:off x="4953000" y="230469"/>
+            <a:off x="5612215" y="230469"/>
             <a:ext cx="2286000" cy="278534"/>
           </a:xfrm>
           <a:prstGeom prst="rect">
@@ -6830,11 +7386,11 @@
       </p:sp>
       <p:sp>
         <p:nvSpPr>
-          <p:cNvPr id="18" name="TextBox 17">
+          <p:cNvPr id="21" name="TextBox 20">
             <a:hlinkClick r:id="" action="ppaction://noaction"/>
             <a:extLst>
               <a:ext uri="{FF2B5EF4-FFF2-40B4-BE49-F238E27FC236}">
-                <a16:creationId xmlns:a16="http://schemas.microsoft.com/office/drawing/2014/main" id="{2FBFD8ED-1C4F-1445-96D1-E9EB0E914263}"/>
+                <a16:creationId xmlns:a16="http://schemas.microsoft.com/office/drawing/2014/main" id="{94B720B0-0F32-F44D-B57E-CC2148136F38}"/>
               </a:ext>
             </a:extLst>
           </p:cNvPr>
@@ -6843,7 +7399,7 @@
         </p:nvSpPr>
         <p:spPr>
           <a:xfrm>
-            <a:off x="8541082" y="228004"/>
+            <a:off x="9200297" y="228004"/>
             <a:ext cx="2286000" cy="283464"/>
           </a:xfrm>
           <a:prstGeom prst="rect">
@@ -6955,13 +7511,13 @@
           <a:p>
             <a:r>
               <a:rPr lang="en-US" dirty="0"/>
-              <a:t>Long Term Rolling Average (50 Samples)</a:t>
+              <a:t>Long-Term Rolling Average (50 Samples)</a:t>
             </a:r>
           </a:p>
           <a:p>
             <a:r>
               <a:rPr lang="en-US" dirty="0"/>
-              <a:t>Short Term Rolling Average (25 Samples)</a:t>
+              <a:t>Short-Term Rolling Average (25 Samples)</a:t>
             </a:r>
           </a:p>
           <a:p>
@@ -6970,13 +7526,13 @@
           <a:p>
             <a:r>
               <a:rPr lang="en-US" dirty="0"/>
-              <a:t>Long Term Rolling Variance (50 Samples)</a:t>
+              <a:t>Long-Term Rolling Variance (50 Samples)</a:t>
             </a:r>
           </a:p>
           <a:p>
             <a:r>
               <a:rPr lang="en-US" dirty="0"/>
-              <a:t>Short Term Rolling Variance (25 Samples)</a:t>
+              <a:t>Short-Term Rolling Variance (25 Samples)</a:t>
             </a:r>
           </a:p>
           <a:p>
@@ -7085,11 +7641,11 @@
       </p:sp>
       <p:sp>
         <p:nvSpPr>
-          <p:cNvPr id="7" name="TextBox 6">
+          <p:cNvPr id="10" name="TextBox 9">
             <a:hlinkClick r:id="rId3" action="ppaction://hlinksldjump"/>
             <a:extLst>
               <a:ext uri="{FF2B5EF4-FFF2-40B4-BE49-F238E27FC236}">
-                <a16:creationId xmlns:a16="http://schemas.microsoft.com/office/drawing/2014/main" id="{1662554E-2484-C94F-9C01-DD66B5C3CE7C}"/>
+                <a16:creationId xmlns:a16="http://schemas.microsoft.com/office/drawing/2014/main" id="{F709712C-9EB6-D845-B2B9-AE35F628A079}"/>
               </a:ext>
             </a:extLst>
           </p:cNvPr>
@@ -7098,7 +7654,7 @@
         </p:nvSpPr>
         <p:spPr>
           <a:xfrm>
-            <a:off x="1364918" y="230469"/>
+            <a:off x="2024133" y="230469"/>
             <a:ext cx="2286000" cy="278534"/>
           </a:xfrm>
           <a:prstGeom prst="rect">
@@ -7128,11 +7684,11 @@
       </p:sp>
       <p:sp>
         <p:nvSpPr>
-          <p:cNvPr id="8" name="TextBox 7">
+          <p:cNvPr id="11" name="TextBox 10">
             <a:hlinkClick r:id="rId4" action="ppaction://hlinksldjump"/>
             <a:extLst>
               <a:ext uri="{FF2B5EF4-FFF2-40B4-BE49-F238E27FC236}">
-                <a16:creationId xmlns:a16="http://schemas.microsoft.com/office/drawing/2014/main" id="{2EE5EEA7-40A5-D04C-BEF3-F82C3021CBC2}"/>
+                <a16:creationId xmlns:a16="http://schemas.microsoft.com/office/drawing/2014/main" id="{42F46290-6DCC-E541-AAE5-A65B9D3889FF}"/>
               </a:ext>
             </a:extLst>
           </p:cNvPr>
@@ -7141,7 +7697,7 @@
         </p:nvSpPr>
         <p:spPr>
           <a:xfrm>
-            <a:off x="4953000" y="230469"/>
+            <a:off x="5612215" y="230469"/>
             <a:ext cx="2286000" cy="278534"/>
           </a:xfrm>
           <a:prstGeom prst="rect">
@@ -7174,11 +7730,11 @@
       </p:sp>
       <p:sp>
         <p:nvSpPr>
-          <p:cNvPr id="9" name="TextBox 8">
+          <p:cNvPr id="12" name="TextBox 11">
             <a:hlinkClick r:id="" action="ppaction://noaction"/>
             <a:extLst>
               <a:ext uri="{FF2B5EF4-FFF2-40B4-BE49-F238E27FC236}">
-                <a16:creationId xmlns:a16="http://schemas.microsoft.com/office/drawing/2014/main" id="{C2CEB2C3-56DC-C845-AFE2-24DB2097B02F}"/>
+                <a16:creationId xmlns:a16="http://schemas.microsoft.com/office/drawing/2014/main" id="{FB92E3D3-C145-6548-8C51-F4991167C570}"/>
               </a:ext>
             </a:extLst>
           </p:cNvPr>
@@ -7187,7 +7743,7 @@
         </p:nvSpPr>
         <p:spPr>
           <a:xfrm>
-            <a:off x="8541082" y="228004"/>
+            <a:off x="9200297" y="228004"/>
             <a:ext cx="2286000" cy="283464"/>
           </a:xfrm>
           <a:prstGeom prst="rect">
@@ -7420,141 +7976,6 @@
               <a:t>4</a:t>
             </a:fld>
             <a:endParaRPr lang="en-US"/>
-          </a:p>
-        </p:txBody>
-      </p:sp>
-      <p:sp>
-        <p:nvSpPr>
-          <p:cNvPr id="7" name="TextBox 6">
-            <a:hlinkClick r:id="rId3" action="ppaction://hlinksldjump"/>
-            <a:extLst>
-              <a:ext uri="{FF2B5EF4-FFF2-40B4-BE49-F238E27FC236}">
-                <a16:creationId xmlns:a16="http://schemas.microsoft.com/office/drawing/2014/main" id="{44B1B476-7977-2748-AB5F-078F426C729B}"/>
-              </a:ext>
-            </a:extLst>
-          </p:cNvPr>
-          <p:cNvSpPr txBox="1"/>
-          <p:nvPr/>
-        </p:nvSpPr>
-        <p:spPr>
-          <a:xfrm>
-            <a:off x="1364918" y="230469"/>
-            <a:ext cx="2286000" cy="278534"/>
-          </a:xfrm>
-          <a:prstGeom prst="rect">
-            <a:avLst/>
-          </a:prstGeom>
-        </p:spPr>
-        <p:txBody>
-          <a:bodyPr vert="horz" wrap="square" lIns="91440" tIns="45720" rIns="91440" bIns="45720" rtlCol="0" anchor="ctr">
-            <a:noAutofit/>
-          </a:bodyPr>
-          <a:lstStyle/>
-          <a:p>
-            <a:pPr algn="ctr"/>
-            <a:r>
-              <a:rPr lang="en-GB" sz="1400" b="1" dirty="0">
-                <a:solidFill>
-                  <a:schemeClr val="tx1">
-                    <a:lumMod val="50000"/>
-                    <a:lumOff val="50000"/>
-                  </a:schemeClr>
-                </a:solidFill>
-                <a:latin typeface="Tahoma" panose="020B0604030504040204" pitchFamily="34" charset="0"/>
-                <a:ea typeface="Tahoma" panose="020B0604030504040204" pitchFamily="34" charset="0"/>
-                <a:cs typeface="Tahoma" panose="020B0604030504040204" pitchFamily="34" charset="0"/>
-              </a:rPr>
-              <a:t>General Approach</a:t>
-            </a:r>
-          </a:p>
-        </p:txBody>
-      </p:sp>
-      <p:sp>
-        <p:nvSpPr>
-          <p:cNvPr id="8" name="TextBox 7">
-            <a:hlinkClick r:id="rId4" action="ppaction://hlinksldjump"/>
-            <a:extLst>
-              <a:ext uri="{FF2B5EF4-FFF2-40B4-BE49-F238E27FC236}">
-                <a16:creationId xmlns:a16="http://schemas.microsoft.com/office/drawing/2014/main" id="{7A30DA38-E0B4-4F4B-815B-774B6C9C495C}"/>
-              </a:ext>
-            </a:extLst>
-          </p:cNvPr>
-          <p:cNvSpPr txBox="1"/>
-          <p:nvPr/>
-        </p:nvSpPr>
-        <p:spPr>
-          <a:xfrm>
-            <a:off x="4953000" y="230469"/>
-            <a:ext cx="2286000" cy="278534"/>
-          </a:xfrm>
-          <a:prstGeom prst="rect">
-            <a:avLst/>
-          </a:prstGeom>
-        </p:spPr>
-        <p:txBody>
-          <a:bodyPr vert="horz" wrap="square" lIns="91440" tIns="45720" rIns="91440" bIns="45720" rtlCol="0" anchor="ctr">
-            <a:noAutofit/>
-          </a:bodyPr>
-          <a:lstStyle/>
-          <a:p>
-            <a:pPr algn="ctr"/>
-            <a:r>
-              <a:rPr lang="en-GB" sz="1400" b="1" dirty="0">
-                <a:solidFill>
-                  <a:schemeClr val="bg1"/>
-                </a:solidFill>
-                <a:latin typeface="Tahoma" panose="020B0604030504040204" pitchFamily="34" charset="0"/>
-                <a:ea typeface="Tahoma" panose="020B0604030504040204" pitchFamily="34" charset="0"/>
-                <a:cs typeface="Tahoma" panose="020B0604030504040204" pitchFamily="34" charset="0"/>
-              </a:rPr>
-              <a:t>Model Selection</a:t>
-            </a:r>
-          </a:p>
-        </p:txBody>
-      </p:sp>
-      <p:sp>
-        <p:nvSpPr>
-          <p:cNvPr id="9" name="TextBox 8">
-            <a:hlinkClick r:id="" action="ppaction://noaction"/>
-            <a:extLst>
-              <a:ext uri="{FF2B5EF4-FFF2-40B4-BE49-F238E27FC236}">
-                <a16:creationId xmlns:a16="http://schemas.microsoft.com/office/drawing/2014/main" id="{D6F2DB02-F109-2142-890D-88AD313A10E8}"/>
-              </a:ext>
-            </a:extLst>
-          </p:cNvPr>
-          <p:cNvSpPr txBox="1"/>
-          <p:nvPr/>
-        </p:nvSpPr>
-        <p:spPr>
-          <a:xfrm>
-            <a:off x="8541082" y="228004"/>
-            <a:ext cx="2286000" cy="283464"/>
-          </a:xfrm>
-          <a:prstGeom prst="rect">
-            <a:avLst/>
-          </a:prstGeom>
-        </p:spPr>
-        <p:txBody>
-          <a:bodyPr vert="horz" wrap="square" lIns="91440" tIns="45720" rIns="91440" bIns="45720" rtlCol="0" anchor="ctr">
-            <a:noAutofit/>
-          </a:bodyPr>
-          <a:lstStyle/>
-          <a:p>
-            <a:pPr algn="ctr"/>
-            <a:r>
-              <a:rPr lang="en-GB" sz="1400" b="1" dirty="0">
-                <a:solidFill>
-                  <a:schemeClr val="tx1">
-                    <a:lumMod val="50000"/>
-                    <a:lumOff val="50000"/>
-                  </a:schemeClr>
-                </a:solidFill>
-                <a:latin typeface="Tahoma" panose="020B0604030504040204" pitchFamily="34" charset="0"/>
-                <a:ea typeface="Tahoma" panose="020B0604030504040204" pitchFamily="34" charset="0"/>
-                <a:cs typeface="Tahoma" panose="020B0604030504040204" pitchFamily="34" charset="0"/>
-              </a:rPr>
-              <a:t>Tuning Parameters</a:t>
-            </a:r>
           </a:p>
         </p:txBody>
       </p:sp>
@@ -7995,6 +8416,141 @@
           </p:style>
         </p:cxnSp>
       </p:grpSp>
+      <p:sp>
+        <p:nvSpPr>
+          <p:cNvPr id="21" name="TextBox 20">
+            <a:hlinkClick r:id="rId3" action="ppaction://hlinksldjump"/>
+            <a:extLst>
+              <a:ext uri="{FF2B5EF4-FFF2-40B4-BE49-F238E27FC236}">
+                <a16:creationId xmlns:a16="http://schemas.microsoft.com/office/drawing/2014/main" id="{2225144F-BCF5-D343-ABA1-5F6B7A0961EE}"/>
+              </a:ext>
+            </a:extLst>
+          </p:cNvPr>
+          <p:cNvSpPr txBox="1"/>
+          <p:nvPr/>
+        </p:nvSpPr>
+        <p:spPr>
+          <a:xfrm>
+            <a:off x="2024133" y="230469"/>
+            <a:ext cx="2286000" cy="278534"/>
+          </a:xfrm>
+          <a:prstGeom prst="rect">
+            <a:avLst/>
+          </a:prstGeom>
+        </p:spPr>
+        <p:txBody>
+          <a:bodyPr vert="horz" wrap="square" lIns="91440" tIns="45720" rIns="91440" bIns="45720" rtlCol="0" anchor="ctr">
+            <a:noAutofit/>
+          </a:bodyPr>
+          <a:lstStyle/>
+          <a:p>
+            <a:pPr algn="ctr"/>
+            <a:r>
+              <a:rPr lang="en-GB" sz="1400" b="1" dirty="0">
+                <a:solidFill>
+                  <a:schemeClr val="tx1">
+                    <a:lumMod val="50000"/>
+                    <a:lumOff val="50000"/>
+                  </a:schemeClr>
+                </a:solidFill>
+                <a:latin typeface="Tahoma" panose="020B0604030504040204" pitchFamily="34" charset="0"/>
+                <a:ea typeface="Tahoma" panose="020B0604030504040204" pitchFamily="34" charset="0"/>
+                <a:cs typeface="Tahoma" panose="020B0604030504040204" pitchFamily="34" charset="0"/>
+              </a:rPr>
+              <a:t>General Approach</a:t>
+            </a:r>
+          </a:p>
+        </p:txBody>
+      </p:sp>
+      <p:sp>
+        <p:nvSpPr>
+          <p:cNvPr id="23" name="TextBox 22">
+            <a:hlinkClick r:id="rId4" action="ppaction://hlinksldjump"/>
+            <a:extLst>
+              <a:ext uri="{FF2B5EF4-FFF2-40B4-BE49-F238E27FC236}">
+                <a16:creationId xmlns:a16="http://schemas.microsoft.com/office/drawing/2014/main" id="{E1FC1276-7079-2B47-B39A-ADE5628642FC}"/>
+              </a:ext>
+            </a:extLst>
+          </p:cNvPr>
+          <p:cNvSpPr txBox="1"/>
+          <p:nvPr/>
+        </p:nvSpPr>
+        <p:spPr>
+          <a:xfrm>
+            <a:off x="5612215" y="230469"/>
+            <a:ext cx="2286000" cy="278534"/>
+          </a:xfrm>
+          <a:prstGeom prst="rect">
+            <a:avLst/>
+          </a:prstGeom>
+        </p:spPr>
+        <p:txBody>
+          <a:bodyPr vert="horz" wrap="square" lIns="91440" tIns="45720" rIns="91440" bIns="45720" rtlCol="0" anchor="ctr">
+            <a:noAutofit/>
+          </a:bodyPr>
+          <a:lstStyle/>
+          <a:p>
+            <a:pPr algn="ctr"/>
+            <a:r>
+              <a:rPr lang="en-GB" sz="1400" b="1" dirty="0">
+                <a:solidFill>
+                  <a:schemeClr val="bg1"/>
+                </a:solidFill>
+                <a:latin typeface="Tahoma" panose="020B0604030504040204" pitchFamily="34" charset="0"/>
+                <a:ea typeface="Tahoma" panose="020B0604030504040204" pitchFamily="34" charset="0"/>
+                <a:cs typeface="Tahoma" panose="020B0604030504040204" pitchFamily="34" charset="0"/>
+              </a:rPr>
+              <a:t>Model Selection</a:t>
+            </a:r>
+          </a:p>
+        </p:txBody>
+      </p:sp>
+      <p:sp>
+        <p:nvSpPr>
+          <p:cNvPr id="25" name="TextBox 24">
+            <a:hlinkClick r:id="" action="ppaction://noaction"/>
+            <a:extLst>
+              <a:ext uri="{FF2B5EF4-FFF2-40B4-BE49-F238E27FC236}">
+                <a16:creationId xmlns:a16="http://schemas.microsoft.com/office/drawing/2014/main" id="{670706F3-AF26-CA42-99E9-19EBD90ACE4B}"/>
+              </a:ext>
+            </a:extLst>
+          </p:cNvPr>
+          <p:cNvSpPr txBox="1"/>
+          <p:nvPr/>
+        </p:nvSpPr>
+        <p:spPr>
+          <a:xfrm>
+            <a:off x="9200297" y="228004"/>
+            <a:ext cx="2286000" cy="283464"/>
+          </a:xfrm>
+          <a:prstGeom prst="rect">
+            <a:avLst/>
+          </a:prstGeom>
+        </p:spPr>
+        <p:txBody>
+          <a:bodyPr vert="horz" wrap="square" lIns="91440" tIns="45720" rIns="91440" bIns="45720" rtlCol="0" anchor="ctr">
+            <a:noAutofit/>
+          </a:bodyPr>
+          <a:lstStyle/>
+          <a:p>
+            <a:pPr algn="ctr"/>
+            <a:r>
+              <a:rPr lang="en-GB" sz="1400" b="1" dirty="0">
+                <a:solidFill>
+                  <a:schemeClr val="tx1">
+                    <a:lumMod val="50000"/>
+                    <a:lumOff val="50000"/>
+                  </a:schemeClr>
+                </a:solidFill>
+                <a:latin typeface="Tahoma" panose="020B0604030504040204" pitchFamily="34" charset="0"/>
+                <a:ea typeface="Tahoma" panose="020B0604030504040204" pitchFamily="34" charset="0"/>
+                <a:cs typeface="Tahoma" panose="020B0604030504040204" pitchFamily="34" charset="0"/>
+              </a:rPr>
+              <a:t>Tuning Parameters</a:t>
+            </a:r>
+          </a:p>
+        </p:txBody>
+      </p:sp>
     </p:spTree>
     <p:extLst>
       <p:ext uri="{BB962C8B-B14F-4D97-AF65-F5344CB8AC3E}">
@@ -8196,11 +8752,11 @@
       </p:sp>
       <p:sp>
         <p:nvSpPr>
-          <p:cNvPr id="7" name="TextBox 6">
+          <p:cNvPr id="10" name="TextBox 9">
             <a:hlinkClick r:id="rId3" action="ppaction://hlinksldjump"/>
             <a:extLst>
               <a:ext uri="{FF2B5EF4-FFF2-40B4-BE49-F238E27FC236}">
-                <a16:creationId xmlns:a16="http://schemas.microsoft.com/office/drawing/2014/main" id="{414A6CC1-A8A4-C946-8DD4-B390A80B92F6}"/>
+                <a16:creationId xmlns:a16="http://schemas.microsoft.com/office/drawing/2014/main" id="{AEA15E97-C29C-3442-AE46-99DDF27F1C01}"/>
               </a:ext>
             </a:extLst>
           </p:cNvPr>
@@ -8209,7 +8765,7 @@
         </p:nvSpPr>
         <p:spPr>
           <a:xfrm>
-            <a:off x="1364918" y="230469"/>
+            <a:off x="2024133" y="230469"/>
             <a:ext cx="2286000" cy="278534"/>
           </a:xfrm>
           <a:prstGeom prst="rect">
@@ -8242,11 +8798,11 @@
       </p:sp>
       <p:sp>
         <p:nvSpPr>
-          <p:cNvPr id="8" name="TextBox 7">
+          <p:cNvPr id="11" name="TextBox 10">
             <a:hlinkClick r:id="rId4" action="ppaction://hlinksldjump"/>
             <a:extLst>
               <a:ext uri="{FF2B5EF4-FFF2-40B4-BE49-F238E27FC236}">
-                <a16:creationId xmlns:a16="http://schemas.microsoft.com/office/drawing/2014/main" id="{4F73036E-2DA5-B34A-A329-C97AA0F438D2}"/>
+                <a16:creationId xmlns:a16="http://schemas.microsoft.com/office/drawing/2014/main" id="{2C0A7E9F-9FE6-C345-B064-A7C513F0379C}"/>
               </a:ext>
             </a:extLst>
           </p:cNvPr>
@@ -8255,7 +8811,7 @@
         </p:nvSpPr>
         <p:spPr>
           <a:xfrm>
-            <a:off x="4953000" y="230469"/>
+            <a:off x="5612215" y="230469"/>
             <a:ext cx="2286000" cy="278534"/>
           </a:xfrm>
           <a:prstGeom prst="rect">
@@ -8288,11 +8844,11 @@
       </p:sp>
       <p:sp>
         <p:nvSpPr>
-          <p:cNvPr id="9" name="TextBox 8">
+          <p:cNvPr id="12" name="TextBox 11">
             <a:hlinkClick r:id="" action="ppaction://noaction"/>
             <a:extLst>
               <a:ext uri="{FF2B5EF4-FFF2-40B4-BE49-F238E27FC236}">
-                <a16:creationId xmlns:a16="http://schemas.microsoft.com/office/drawing/2014/main" id="{49BD2EF2-AC8C-EC41-99BF-947FD6357590}"/>
+                <a16:creationId xmlns:a16="http://schemas.microsoft.com/office/drawing/2014/main" id="{8F640849-5AF4-DB4C-8C47-E0B263A92AB3}"/>
               </a:ext>
             </a:extLst>
           </p:cNvPr>
@@ -8301,7 +8857,7 @@
         </p:nvSpPr>
         <p:spPr>
           <a:xfrm>
-            <a:off x="8541082" y="228004"/>
+            <a:off x="9200297" y="228004"/>
             <a:ext cx="2286000" cy="283464"/>
           </a:xfrm>
           <a:prstGeom prst="rect">
@@ -8382,7 +8938,7 @@
           <a:p>
             <a:r>
               <a:rPr lang="en-US" dirty="0"/>
-              <a:t>Optimizing Detector Script</a:t>
+              <a:t>Optimizing Model</a:t>
             </a:r>
           </a:p>
         </p:txBody>
@@ -8474,41 +9030,252 @@
           </a:p>
         </p:txBody>
       </p:sp>
-      <p:sp>
-        <p:nvSpPr>
-          <p:cNvPr id="8" name="Content Placeholder 7">
-            <a:extLst>
-              <a:ext uri="{FF2B5EF4-FFF2-40B4-BE49-F238E27FC236}">
-                <a16:creationId xmlns:a16="http://schemas.microsoft.com/office/drawing/2014/main" id="{AF2D1237-BC27-614D-808A-D02C2D69E250}"/>
-              </a:ext>
-            </a:extLst>
-          </p:cNvPr>
-          <p:cNvSpPr>
-            <a:spLocks noGrp="1"/>
-          </p:cNvSpPr>
+      <p:pic>
+        <p:nvPicPr>
+          <p:cNvPr id="17" name="Content Placeholder 16">
+            <a:extLst>
+              <a:ext uri="{FF2B5EF4-FFF2-40B4-BE49-F238E27FC236}">
+                <a16:creationId xmlns:a16="http://schemas.microsoft.com/office/drawing/2014/main" id="{58D83EAD-339F-0B44-AB7E-0E5D09AA5549}"/>
+              </a:ext>
+            </a:extLst>
+          </p:cNvPr>
+          <p:cNvPicPr>
+            <a:picLocks noGrp="1" noChangeAspect="1"/>
+          </p:cNvPicPr>
           <p:nvPr>
             <p:ph idx="1"/>
           </p:nvPr>
-        </p:nvSpPr>
-        <p:spPr/>
-        <p:txBody>
-          <a:bodyPr/>
-          <a:lstStyle/>
-          <a:p>
-            <a:r>
-              <a:rPr lang="en-US" dirty="0"/>
-              <a:t>//x-y-z plot </a:t>
-            </a:r>
-          </a:p>
-        </p:txBody>
-      </p:sp>
-      <p:sp>
-        <p:nvSpPr>
-          <p:cNvPr id="9" name="TextBox 8">
-            <a:hlinkClick r:id="rId2" action="ppaction://hlinksldjump"/>
-            <a:extLst>
-              <a:ext uri="{FF2B5EF4-FFF2-40B4-BE49-F238E27FC236}">
-                <a16:creationId xmlns:a16="http://schemas.microsoft.com/office/drawing/2014/main" id="{78F51A02-590D-E749-91C4-EFEB44688AD0}"/>
+        </p:nvPicPr>
+        <p:blipFill>
+          <a:blip r:embed="rId2"/>
+          <a:srcRect/>
+          <a:stretch/>
+        </p:blipFill>
+        <p:spPr>
+          <a:xfrm>
+            <a:off x="4953000" y="595020"/>
+            <a:ext cx="6801551" cy="5667959"/>
+          </a:xfrm>
+        </p:spPr>
+      </p:pic>
+      <p:sp>
+        <p:nvSpPr>
+          <p:cNvPr id="18" name="Content Placeholder 2">
+            <a:extLst>
+              <a:ext uri="{FF2B5EF4-FFF2-40B4-BE49-F238E27FC236}">
+                <a16:creationId xmlns:a16="http://schemas.microsoft.com/office/drawing/2014/main" id="{EDDD028B-9635-5F44-AEF5-971F36256819}"/>
+              </a:ext>
+            </a:extLst>
+          </p:cNvPr>
+          <p:cNvSpPr txBox="1">
+            <a:spLocks/>
+          </p:cNvSpPr>
+          <p:nvPr/>
+        </p:nvSpPr>
+        <p:spPr>
+          <a:xfrm>
+            <a:off x="838201" y="1825625"/>
+            <a:ext cx="4800600" cy="3368167"/>
+          </a:xfrm>
+          <a:prstGeom prst="rect">
+            <a:avLst/>
+          </a:prstGeom>
+        </p:spPr>
+        <p:txBody>
+          <a:bodyPr vert="horz" lIns="91440" tIns="45720" rIns="91440" bIns="45720" rtlCol="0" anchor="ctr">
+            <a:normAutofit/>
+          </a:bodyPr>
+          <a:lstStyle>
+            <a:lvl1pPr marL="228600" indent="-228600" algn="l" defTabSz="914400" rtl="0" eaLnBrk="1" latinLnBrk="0" hangingPunct="1">
+              <a:lnSpc>
+                <a:spcPct val="90000"/>
+              </a:lnSpc>
+              <a:spcBef>
+                <a:spcPts val="1000"/>
+              </a:spcBef>
+              <a:buFont typeface="Arial" panose="020B0604020202020204" pitchFamily="34" charset="0"/>
+              <a:buChar char="•"/>
+              <a:defRPr sz="2400" kern="1200">
+                <a:solidFill>
+                  <a:schemeClr val="tx1"/>
+                </a:solidFill>
+                <a:latin typeface="Tahoma" panose="020B0604030504040204" pitchFamily="34" charset="0"/>
+                <a:ea typeface="Tahoma" panose="020B0604030504040204" pitchFamily="34" charset="0"/>
+                <a:cs typeface="Tahoma" panose="020B0604030504040204" pitchFamily="34" charset="0"/>
+              </a:defRPr>
+            </a:lvl1pPr>
+            <a:lvl2pPr marL="685800" indent="-228600" algn="l" defTabSz="914400" rtl="0" eaLnBrk="1" latinLnBrk="0" hangingPunct="1">
+              <a:lnSpc>
+                <a:spcPct val="90000"/>
+              </a:lnSpc>
+              <a:spcBef>
+                <a:spcPts val="500"/>
+              </a:spcBef>
+              <a:buFont typeface="Arial" panose="020B0604020202020204" pitchFamily="34" charset="0"/>
+              <a:buChar char="•"/>
+              <a:defRPr sz="2000" kern="1200">
+                <a:solidFill>
+                  <a:schemeClr val="tx1"/>
+                </a:solidFill>
+                <a:latin typeface="Tahoma" panose="020B0604030504040204" pitchFamily="34" charset="0"/>
+                <a:ea typeface="Tahoma" panose="020B0604030504040204" pitchFamily="34" charset="0"/>
+                <a:cs typeface="Tahoma" panose="020B0604030504040204" pitchFamily="34" charset="0"/>
+              </a:defRPr>
+            </a:lvl2pPr>
+            <a:lvl3pPr marL="1143000" indent="-228600" algn="l" defTabSz="914400" rtl="0" eaLnBrk="1" latinLnBrk="0" hangingPunct="1">
+              <a:lnSpc>
+                <a:spcPct val="90000"/>
+              </a:lnSpc>
+              <a:spcBef>
+                <a:spcPts val="500"/>
+              </a:spcBef>
+              <a:buFont typeface="Arial" panose="020B0604020202020204" pitchFamily="34" charset="0"/>
+              <a:buChar char="•"/>
+              <a:defRPr sz="1800" kern="1200">
+                <a:solidFill>
+                  <a:schemeClr val="tx1"/>
+                </a:solidFill>
+                <a:latin typeface="Tahoma" panose="020B0604030504040204" pitchFamily="34" charset="0"/>
+                <a:ea typeface="Tahoma" panose="020B0604030504040204" pitchFamily="34" charset="0"/>
+                <a:cs typeface="Tahoma" panose="020B0604030504040204" pitchFamily="34" charset="0"/>
+              </a:defRPr>
+            </a:lvl3pPr>
+            <a:lvl4pPr marL="1600200" indent="-228600" algn="l" defTabSz="914400" rtl="0" eaLnBrk="1" latinLnBrk="0" hangingPunct="1">
+              <a:lnSpc>
+                <a:spcPct val="90000"/>
+              </a:lnSpc>
+              <a:spcBef>
+                <a:spcPts val="500"/>
+              </a:spcBef>
+              <a:buFont typeface="Arial" panose="020B0604020202020204" pitchFamily="34" charset="0"/>
+              <a:buChar char="•"/>
+              <a:defRPr sz="1600" kern="1200">
+                <a:solidFill>
+                  <a:schemeClr val="tx1"/>
+                </a:solidFill>
+                <a:latin typeface="Tahoma" panose="020B0604030504040204" pitchFamily="34" charset="0"/>
+                <a:ea typeface="Tahoma" panose="020B0604030504040204" pitchFamily="34" charset="0"/>
+                <a:cs typeface="Tahoma" panose="020B0604030504040204" pitchFamily="34" charset="0"/>
+              </a:defRPr>
+            </a:lvl4pPr>
+            <a:lvl5pPr marL="2057400" indent="-228600" algn="l" defTabSz="914400" rtl="0" eaLnBrk="1" latinLnBrk="0" hangingPunct="1">
+              <a:lnSpc>
+                <a:spcPct val="90000"/>
+              </a:lnSpc>
+              <a:spcBef>
+                <a:spcPts val="500"/>
+              </a:spcBef>
+              <a:buFont typeface="Arial" panose="020B0604020202020204" pitchFamily="34" charset="0"/>
+              <a:buChar char="•"/>
+              <a:defRPr sz="1600" kern="1200">
+                <a:solidFill>
+                  <a:schemeClr val="tx1"/>
+                </a:solidFill>
+                <a:latin typeface="Tahoma" panose="020B0604030504040204" pitchFamily="34" charset="0"/>
+                <a:ea typeface="Tahoma" panose="020B0604030504040204" pitchFamily="34" charset="0"/>
+                <a:cs typeface="Tahoma" panose="020B0604030504040204" pitchFamily="34" charset="0"/>
+              </a:defRPr>
+            </a:lvl5pPr>
+            <a:lvl6pPr marL="2514600" indent="-228600" algn="l" defTabSz="914400" rtl="0" eaLnBrk="1" latinLnBrk="0" hangingPunct="1">
+              <a:lnSpc>
+                <a:spcPct val="90000"/>
+              </a:lnSpc>
+              <a:spcBef>
+                <a:spcPts val="500"/>
+              </a:spcBef>
+              <a:buFont typeface="Arial" panose="020B0604020202020204" pitchFamily="34" charset="0"/>
+              <a:buChar char="•"/>
+              <a:defRPr sz="1800" kern="1200">
+                <a:solidFill>
+                  <a:schemeClr val="tx1"/>
+                </a:solidFill>
+                <a:latin typeface="+mn-lt"/>
+                <a:ea typeface="+mn-ea"/>
+                <a:cs typeface="+mn-cs"/>
+              </a:defRPr>
+            </a:lvl6pPr>
+            <a:lvl7pPr marL="2971800" indent="-228600" algn="l" defTabSz="914400" rtl="0" eaLnBrk="1" latinLnBrk="0" hangingPunct="1">
+              <a:lnSpc>
+                <a:spcPct val="90000"/>
+              </a:lnSpc>
+              <a:spcBef>
+                <a:spcPts val="500"/>
+              </a:spcBef>
+              <a:buFont typeface="Arial" panose="020B0604020202020204" pitchFamily="34" charset="0"/>
+              <a:buChar char="•"/>
+              <a:defRPr sz="1800" kern="1200">
+                <a:solidFill>
+                  <a:schemeClr val="tx1"/>
+                </a:solidFill>
+                <a:latin typeface="+mn-lt"/>
+                <a:ea typeface="+mn-ea"/>
+                <a:cs typeface="+mn-cs"/>
+              </a:defRPr>
+            </a:lvl7pPr>
+            <a:lvl8pPr marL="3429000" indent="-228600" algn="l" defTabSz="914400" rtl="0" eaLnBrk="1" latinLnBrk="0" hangingPunct="1">
+              <a:lnSpc>
+                <a:spcPct val="90000"/>
+              </a:lnSpc>
+              <a:spcBef>
+                <a:spcPts val="500"/>
+              </a:spcBef>
+              <a:buFont typeface="Arial" panose="020B0604020202020204" pitchFamily="34" charset="0"/>
+              <a:buChar char="•"/>
+              <a:defRPr sz="1800" kern="1200">
+                <a:solidFill>
+                  <a:schemeClr val="tx1"/>
+                </a:solidFill>
+                <a:latin typeface="+mn-lt"/>
+                <a:ea typeface="+mn-ea"/>
+                <a:cs typeface="+mn-cs"/>
+              </a:defRPr>
+            </a:lvl8pPr>
+            <a:lvl9pPr marL="3886200" indent="-228600" algn="l" defTabSz="914400" rtl="0" eaLnBrk="1" latinLnBrk="0" hangingPunct="1">
+              <a:lnSpc>
+                <a:spcPct val="90000"/>
+              </a:lnSpc>
+              <a:spcBef>
+                <a:spcPts val="500"/>
+              </a:spcBef>
+              <a:buFont typeface="Arial" panose="020B0604020202020204" pitchFamily="34" charset="0"/>
+              <a:buChar char="•"/>
+              <a:defRPr sz="1800" kern="1200">
+                <a:solidFill>
+                  <a:schemeClr val="tx1"/>
+                </a:solidFill>
+                <a:latin typeface="+mn-lt"/>
+                <a:ea typeface="+mn-ea"/>
+                <a:cs typeface="+mn-cs"/>
+              </a:defRPr>
+            </a:lvl9pPr>
+          </a:lstStyle>
+          <a:p>
+            <a:r>
+              <a:rPr lang="en-US" sz="2000" dirty="0"/>
+              <a:t>Limit Window Size to be no more than 2x acceptable error (0.5 sec)</a:t>
+            </a:r>
+          </a:p>
+          <a:p>
+            <a:endParaRPr lang="en-US" sz="2000" dirty="0"/>
+          </a:p>
+          <a:p>
+            <a:r>
+              <a:rPr lang="en-US" sz="2000" dirty="0"/>
+              <a:t>Maximize Sample F1-Score based on varying P-Prob and S-Prob</a:t>
+            </a:r>
+          </a:p>
+          <a:p>
+            <a:endParaRPr lang="en-US" sz="2000" dirty="0"/>
+          </a:p>
+        </p:txBody>
+      </p:sp>
+      <p:sp>
+        <p:nvSpPr>
+          <p:cNvPr id="19" name="TextBox 18">
+            <a:hlinkClick r:id="rId3" action="ppaction://hlinksldjump"/>
+            <a:extLst>
+              <a:ext uri="{FF2B5EF4-FFF2-40B4-BE49-F238E27FC236}">
+                <a16:creationId xmlns:a16="http://schemas.microsoft.com/office/drawing/2014/main" id="{0E4E8683-7544-9241-8FEF-E52D6AA42698}"/>
               </a:ext>
             </a:extLst>
           </p:cNvPr>
@@ -8517,7 +9284,7 @@
         </p:nvSpPr>
         <p:spPr>
           <a:xfrm>
-            <a:off x="1364918" y="230469"/>
+            <a:off x="2024133" y="230469"/>
             <a:ext cx="2286000" cy="278534"/>
           </a:xfrm>
           <a:prstGeom prst="rect">
@@ -8550,11 +9317,11 @@
       </p:sp>
       <p:sp>
         <p:nvSpPr>
-          <p:cNvPr id="10" name="TextBox 9">
-            <a:hlinkClick r:id="rId3" action="ppaction://hlinksldjump"/>
-            <a:extLst>
-              <a:ext uri="{FF2B5EF4-FFF2-40B4-BE49-F238E27FC236}">
-                <a16:creationId xmlns:a16="http://schemas.microsoft.com/office/drawing/2014/main" id="{F5B3A34B-BCAD-7343-9A82-16B8065A7079}"/>
+          <p:cNvPr id="20" name="TextBox 19">
+            <a:hlinkClick r:id="rId4" action="ppaction://hlinksldjump"/>
+            <a:extLst>
+              <a:ext uri="{FF2B5EF4-FFF2-40B4-BE49-F238E27FC236}">
+                <a16:creationId xmlns:a16="http://schemas.microsoft.com/office/drawing/2014/main" id="{72C0012A-AD9D-1F4E-A98E-F711391EA7F7}"/>
               </a:ext>
             </a:extLst>
           </p:cNvPr>
@@ -8563,7 +9330,7 @@
         </p:nvSpPr>
         <p:spPr>
           <a:xfrm>
-            <a:off x="4953000" y="230469"/>
+            <a:off x="5612215" y="230469"/>
             <a:ext cx="2286000" cy="278534"/>
           </a:xfrm>
           <a:prstGeom prst="rect">
@@ -8596,11 +9363,11 @@
       </p:sp>
       <p:sp>
         <p:nvSpPr>
-          <p:cNvPr id="11" name="TextBox 10">
+          <p:cNvPr id="21" name="TextBox 20">
             <a:hlinkClick r:id="" action="ppaction://noaction"/>
             <a:extLst>
               <a:ext uri="{FF2B5EF4-FFF2-40B4-BE49-F238E27FC236}">
-                <a16:creationId xmlns:a16="http://schemas.microsoft.com/office/drawing/2014/main" id="{09339970-5F7F-9A4A-997E-F846727690B5}"/>
+                <a16:creationId xmlns:a16="http://schemas.microsoft.com/office/drawing/2014/main" id="{05C8B908-0DF2-7F46-8F38-460C8BAD5368}"/>
               </a:ext>
             </a:extLst>
           </p:cNvPr>
@@ -8609,7 +9376,7 @@
         </p:nvSpPr>
         <p:spPr>
           <a:xfrm>
-            <a:off x="8541082" y="228004"/>
+            <a:off x="9200297" y="228004"/>
             <a:ext cx="2286000" cy="283464"/>
           </a:xfrm>
           <a:prstGeom prst="rect">
@@ -8641,6 +9408,287 @@
     <p:extLst>
       <p:ext uri="{BB962C8B-B14F-4D97-AF65-F5344CB8AC3E}">
         <p14:creationId xmlns:p14="http://schemas.microsoft.com/office/powerpoint/2010/main" val="1106663741"/>
+      </p:ext>
+    </p:extLst>
+  </p:cSld>
+  <p:clrMapOvr>
+    <a:masterClrMapping/>
+  </p:clrMapOvr>
+</p:sld>
+</file>
+
+<file path=ppt/slides/slide7.xml><?xml version="1.0" encoding="utf-8"?>
+<p:sld xmlns:a="http://schemas.openxmlformats.org/drawingml/2006/main" xmlns:r="http://schemas.openxmlformats.org/officeDocument/2006/relationships" xmlns:p="http://schemas.openxmlformats.org/presentationml/2006/main">
+  <p:cSld>
+    <p:spTree>
+      <p:nvGrpSpPr>
+        <p:cNvPr id="1" name=""/>
+        <p:cNvGrpSpPr/>
+        <p:nvPr/>
+      </p:nvGrpSpPr>
+      <p:grpSpPr>
+        <a:xfrm>
+          <a:off x="0" y="0"/>
+          <a:ext cx="0" cy="0"/>
+          <a:chOff x="0" y="0"/>
+          <a:chExt cx="0" cy="0"/>
+        </a:xfrm>
+      </p:grpSpPr>
+      <p:sp>
+        <p:nvSpPr>
+          <p:cNvPr id="2" name="Title 1">
+            <a:extLst>
+              <a:ext uri="{FF2B5EF4-FFF2-40B4-BE49-F238E27FC236}">
+                <a16:creationId xmlns:a16="http://schemas.microsoft.com/office/drawing/2014/main" id="{03821747-CCF4-E74A-BAEF-4738B978E1AE}"/>
+              </a:ext>
+            </a:extLst>
+          </p:cNvPr>
+          <p:cNvSpPr>
+            <a:spLocks noGrp="1"/>
+          </p:cNvSpPr>
+          <p:nvPr>
+            <p:ph type="ctrTitle"/>
+          </p:nvPr>
+        </p:nvSpPr>
+        <p:spPr>
+          <a:xfrm>
+            <a:off x="1524000" y="2235200"/>
+            <a:ext cx="9144000" cy="2387600"/>
+          </a:xfrm>
+        </p:spPr>
+        <p:txBody>
+          <a:bodyPr anchor="ctr">
+            <a:normAutofit/>
+          </a:bodyPr>
+          <a:lstStyle/>
+          <a:p>
+            <a:r>
+              <a:rPr lang="en-US" sz="4800" dirty="0"/>
+              <a:t>Q&amp;A</a:t>
+            </a:r>
+          </a:p>
+        </p:txBody>
+      </p:sp>
+      <p:sp>
+        <p:nvSpPr>
+          <p:cNvPr id="7" name="Date Placeholder 6">
+            <a:extLst>
+              <a:ext uri="{FF2B5EF4-FFF2-40B4-BE49-F238E27FC236}">
+                <a16:creationId xmlns:a16="http://schemas.microsoft.com/office/drawing/2014/main" id="{67CE4CC1-D553-5F47-913C-561B79BA882C}"/>
+              </a:ext>
+            </a:extLst>
+          </p:cNvPr>
+          <p:cNvSpPr>
+            <a:spLocks noGrp="1"/>
+          </p:cNvSpPr>
+          <p:nvPr>
+            <p:ph type="dt" sz="half" idx="10"/>
+          </p:nvPr>
+        </p:nvSpPr>
+        <p:spPr/>
+        <p:txBody>
+          <a:bodyPr/>
+          <a:lstStyle/>
+          <a:p>
+            <a:fld id="{4A41368A-61F7-E041-9ACD-149A9FAC96EC}" type="datetime4">
+              <a:rPr lang="en-US" smtClean="0"/>
+              <a:t>March 16, 2022</a:t>
+            </a:fld>
+            <a:endParaRPr lang="en-US" dirty="0"/>
+          </a:p>
+        </p:txBody>
+      </p:sp>
+      <p:sp>
+        <p:nvSpPr>
+          <p:cNvPr id="8" name="Slide Number Placeholder 7">
+            <a:extLst>
+              <a:ext uri="{FF2B5EF4-FFF2-40B4-BE49-F238E27FC236}">
+                <a16:creationId xmlns:a16="http://schemas.microsoft.com/office/drawing/2014/main" id="{81E5FD8E-7455-3146-8AE0-1CA7036B0895}"/>
+              </a:ext>
+            </a:extLst>
+          </p:cNvPr>
+          <p:cNvSpPr>
+            <a:spLocks noGrp="1"/>
+          </p:cNvSpPr>
+          <p:nvPr>
+            <p:ph type="sldNum" sz="quarter" idx="12"/>
+          </p:nvPr>
+        </p:nvSpPr>
+        <p:spPr/>
+        <p:txBody>
+          <a:bodyPr/>
+          <a:lstStyle/>
+          <a:p>
+            <a:fld id="{FCCF9DFD-C425-8648-8F0F-DD3A8B4D0547}" type="slidenum">
+              <a:rPr lang="en-US" smtClean="0"/>
+              <a:pPr/>
+              <a:t>7</a:t>
+            </a:fld>
+            <a:endParaRPr lang="en-US" dirty="0"/>
+          </a:p>
+        </p:txBody>
+      </p:sp>
+      <p:sp>
+        <p:nvSpPr>
+          <p:cNvPr id="6" name="Footer Placeholder 5">
+            <a:extLst>
+              <a:ext uri="{FF2B5EF4-FFF2-40B4-BE49-F238E27FC236}">
+                <a16:creationId xmlns:a16="http://schemas.microsoft.com/office/drawing/2014/main" id="{19FD9AEB-4EC2-C24E-8049-79060AE82E48}"/>
+              </a:ext>
+            </a:extLst>
+          </p:cNvPr>
+          <p:cNvSpPr>
+            <a:spLocks noGrp="1"/>
+          </p:cNvSpPr>
+          <p:nvPr>
+            <p:ph type="ftr" sz="quarter" idx="11"/>
+          </p:nvPr>
+        </p:nvSpPr>
+        <p:spPr/>
+        <p:txBody>
+          <a:bodyPr/>
+          <a:lstStyle/>
+          <a:p>
+            <a:r>
+              <a:rPr lang="en-US" dirty="0"/>
+              <a:t>Team 1</a:t>
+            </a:r>
+          </a:p>
+        </p:txBody>
+      </p:sp>
+      <p:sp>
+        <p:nvSpPr>
+          <p:cNvPr id="15" name="TextBox 14">
+            <a:hlinkClick r:id="rId2" action="ppaction://hlinksldjump"/>
+            <a:extLst>
+              <a:ext uri="{FF2B5EF4-FFF2-40B4-BE49-F238E27FC236}">
+                <a16:creationId xmlns:a16="http://schemas.microsoft.com/office/drawing/2014/main" id="{EE284B20-F45E-B242-B312-5FC8F8BCEE69}"/>
+              </a:ext>
+            </a:extLst>
+          </p:cNvPr>
+          <p:cNvSpPr txBox="1"/>
+          <p:nvPr/>
+        </p:nvSpPr>
+        <p:spPr>
+          <a:xfrm>
+            <a:off x="2024133" y="230469"/>
+            <a:ext cx="2286000" cy="278534"/>
+          </a:xfrm>
+          <a:prstGeom prst="rect">
+            <a:avLst/>
+          </a:prstGeom>
+        </p:spPr>
+        <p:txBody>
+          <a:bodyPr vert="horz" wrap="square" lIns="91440" tIns="45720" rIns="91440" bIns="45720" rtlCol="0" anchor="ctr">
+            <a:noAutofit/>
+          </a:bodyPr>
+          <a:lstStyle/>
+          <a:p>
+            <a:pPr algn="ctr"/>
+            <a:r>
+              <a:rPr lang="en-GB" sz="1400" b="1" dirty="0">
+                <a:solidFill>
+                  <a:schemeClr val="bg1"/>
+                </a:solidFill>
+                <a:latin typeface="Tahoma" panose="020B0604030504040204" pitchFamily="34" charset="0"/>
+                <a:ea typeface="Tahoma" panose="020B0604030504040204" pitchFamily="34" charset="0"/>
+                <a:cs typeface="Tahoma" panose="020B0604030504040204" pitchFamily="34" charset="0"/>
+              </a:rPr>
+              <a:t>General Approach</a:t>
+            </a:r>
+          </a:p>
+        </p:txBody>
+      </p:sp>
+      <p:sp>
+        <p:nvSpPr>
+          <p:cNvPr id="16" name="TextBox 15">
+            <a:hlinkClick r:id="rId3" action="ppaction://hlinksldjump"/>
+            <a:extLst>
+              <a:ext uri="{FF2B5EF4-FFF2-40B4-BE49-F238E27FC236}">
+                <a16:creationId xmlns:a16="http://schemas.microsoft.com/office/drawing/2014/main" id="{6303F5F1-A81B-9D4C-9676-72D75E37A711}"/>
+              </a:ext>
+            </a:extLst>
+          </p:cNvPr>
+          <p:cNvSpPr txBox="1"/>
+          <p:nvPr/>
+        </p:nvSpPr>
+        <p:spPr>
+          <a:xfrm>
+            <a:off x="5612215" y="230469"/>
+            <a:ext cx="2286000" cy="278534"/>
+          </a:xfrm>
+          <a:prstGeom prst="rect">
+            <a:avLst/>
+          </a:prstGeom>
+        </p:spPr>
+        <p:txBody>
+          <a:bodyPr vert="horz" wrap="square" lIns="91440" tIns="45720" rIns="91440" bIns="45720" rtlCol="0" anchor="ctr">
+            <a:noAutofit/>
+          </a:bodyPr>
+          <a:lstStyle/>
+          <a:p>
+            <a:pPr algn="ctr"/>
+            <a:r>
+              <a:rPr lang="en-GB" sz="1400" b="1" dirty="0">
+                <a:solidFill>
+                  <a:schemeClr val="bg1"/>
+                </a:solidFill>
+                <a:latin typeface="Tahoma" panose="020B0604030504040204" pitchFamily="34" charset="0"/>
+                <a:ea typeface="Tahoma" panose="020B0604030504040204" pitchFamily="34" charset="0"/>
+                <a:cs typeface="Tahoma" panose="020B0604030504040204" pitchFamily="34" charset="0"/>
+              </a:rPr>
+              <a:t>Model Selection</a:t>
+            </a:r>
+          </a:p>
+        </p:txBody>
+      </p:sp>
+      <p:sp>
+        <p:nvSpPr>
+          <p:cNvPr id="17" name="TextBox 16">
+            <a:hlinkClick r:id="" action="ppaction://noaction"/>
+            <a:extLst>
+              <a:ext uri="{FF2B5EF4-FFF2-40B4-BE49-F238E27FC236}">
+                <a16:creationId xmlns:a16="http://schemas.microsoft.com/office/drawing/2014/main" id="{E438EFE7-E4BC-1B4C-9B3E-ABA70BE8BCC7}"/>
+              </a:ext>
+            </a:extLst>
+          </p:cNvPr>
+          <p:cNvSpPr txBox="1"/>
+          <p:nvPr/>
+        </p:nvSpPr>
+        <p:spPr>
+          <a:xfrm>
+            <a:off x="9200297" y="228004"/>
+            <a:ext cx="2286000" cy="283464"/>
+          </a:xfrm>
+          <a:prstGeom prst="rect">
+            <a:avLst/>
+          </a:prstGeom>
+        </p:spPr>
+        <p:txBody>
+          <a:bodyPr vert="horz" wrap="square" lIns="91440" tIns="45720" rIns="91440" bIns="45720" rtlCol="0" anchor="ctr">
+            <a:noAutofit/>
+          </a:bodyPr>
+          <a:lstStyle/>
+          <a:p>
+            <a:pPr algn="ctr"/>
+            <a:r>
+              <a:rPr lang="en-GB" sz="1400" b="1" dirty="0">
+                <a:solidFill>
+                  <a:schemeClr val="bg1"/>
+                </a:solidFill>
+                <a:latin typeface="Tahoma" panose="020B0604030504040204" pitchFamily="34" charset="0"/>
+                <a:ea typeface="Tahoma" panose="020B0604030504040204" pitchFamily="34" charset="0"/>
+                <a:cs typeface="Tahoma" panose="020B0604030504040204" pitchFamily="34" charset="0"/>
+              </a:rPr>
+              <a:t>Tuning Parameters</a:t>
+            </a:r>
+          </a:p>
+        </p:txBody>
+      </p:sp>
+    </p:spTree>
+    <p:extLst>
+      <p:ext uri="{BB962C8B-B14F-4D97-AF65-F5344CB8AC3E}">
+        <p14:creationId xmlns:p14="http://schemas.microsoft.com/office/powerpoint/2010/main" val="1966619040"/>
       </p:ext>
     </p:extLst>
   </p:cSld>

--- a/Challenge_Team1_v2.pptx
+++ b/Challenge_Team1_v2.pptx
@@ -709,7 +709,45 @@
           <a:bodyPr/>
           <a:lstStyle/>
           <a:p>
+            <a:r>
+              <a:rPr lang="en-US" dirty="0"/>
+              <a:t>Thanks Irene!</a:t>
+            </a:r>
+          </a:p>
+          <a:p>
             <a:endParaRPr lang="en-US" dirty="0"/>
+          </a:p>
+          <a:p>
+            <a:r>
+              <a:rPr lang="en-US" dirty="0"/>
+              <a:t>When building the model, we also wanted to include some features beyond the trace values themselves. From the traces, we decided to derive a few rolling statistics that may provide better indicators of the presence of a p-wave. These included rolling averages and variances of different sample sizes as well as the ratios of the short-term to long-term statistics. </a:t>
+            </a:r>
+          </a:p>
+          <a:p>
+            <a:endParaRPr lang="en-US" dirty="0"/>
+          </a:p>
+          <a:p>
+            <a:r>
+              <a:rPr lang="en-US" dirty="0"/>
+              <a:t>When we were originally looking at all three traces, we  had also considered the total magnitude of the acceleration. We kept the magnitude in our final model (so for a single trace, it would just be the absolute value) so that if it were to intake the entire stream rather than an individual trace, it can also be handled with very few adjustments.</a:t>
+            </a:r>
+          </a:p>
+          <a:p>
+            <a:endParaRPr lang="en-US" dirty="0"/>
+          </a:p>
+          <a:p>
+            <a:r>
+              <a:rPr lang="en-US" dirty="0"/>
+              <a:t>Next, I'll pass it off to </a:t>
+            </a:r>
+            <a:r>
+              <a:rPr lang="en-US" dirty="0" err="1"/>
+              <a:t>Zofie</a:t>
+            </a:r>
+            <a:r>
+              <a:rPr lang="en-US" dirty="0"/>
+              <a:t> who will walk you through the structure of the model itself</a:t>
+            </a:r>
           </a:p>
         </p:txBody>
       </p:sp>
@@ -877,7 +915,28 @@
           <a:bodyPr/>
           <a:lstStyle/>
           <a:p>
+            <a:r>
+              <a:rPr lang="en-US" dirty="0"/>
+              <a:t>After we landed on a model, we worked on optimizing various parameters for the chosen model as well as the interpretation of the results. </a:t>
+            </a:r>
+          </a:p>
+          <a:p>
             <a:endParaRPr lang="en-US" dirty="0"/>
+          </a:p>
+          <a:p>
+            <a:r>
+              <a:rPr lang="en-US" dirty="0"/>
+              <a:t>For model 2, which is where we cut the trace into smaller segments, our primary levers were the size of the segments as well as the increment at which we would cut each segment. </a:t>
+            </a:r>
+          </a:p>
+          <a:p>
+            <a:endParaRPr lang="en-US" dirty="0"/>
+          </a:p>
+          <a:p>
+            <a:r>
+              <a:rPr lang="en-US" dirty="0"/>
+              <a:t>For our interpretation, we had two different thresholding parameters which determined whether or not the results of the models warranted the flagging of a p-wave. By varying this parameter, we would be able optimize the number of false positives and false negatives produced by the model. </a:t>
+            </a:r>
           </a:p>
         </p:txBody>
       </p:sp>
@@ -908,6 +967,119 @@
     <p:extLst>
       <p:ext uri="{BB962C8B-B14F-4D97-AF65-F5344CB8AC3E}">
         <p14:creationId xmlns:p14="http://schemas.microsoft.com/office/powerpoint/2010/main" val="2264058790"/>
+      </p:ext>
+    </p:extLst>
+  </p:cSld>
+  <p:clrMapOvr>
+    <a:masterClrMapping/>
+  </p:clrMapOvr>
+</p:notes>
+</file>
+
+<file path=ppt/notesSlides/notesSlide4.xml><?xml version="1.0" encoding="utf-8"?>
+<p:notes xmlns:a="http://schemas.openxmlformats.org/drawingml/2006/main" xmlns:r="http://schemas.openxmlformats.org/officeDocument/2006/relationships" xmlns:p="http://schemas.openxmlformats.org/presentationml/2006/main">
+  <p:cSld>
+    <p:spTree>
+      <p:nvGrpSpPr>
+        <p:cNvPr id="1" name=""/>
+        <p:cNvGrpSpPr/>
+        <p:nvPr/>
+      </p:nvGrpSpPr>
+      <p:grpSpPr>
+        <a:xfrm>
+          <a:off x="0" y="0"/>
+          <a:ext cx="0" cy="0"/>
+          <a:chOff x="0" y="0"/>
+          <a:chExt cx="0" cy="0"/>
+        </a:xfrm>
+      </p:grpSpPr>
+      <p:sp>
+        <p:nvSpPr>
+          <p:cNvPr id="2" name="Slide Image Placeholder 1"/>
+          <p:cNvSpPr>
+            <a:spLocks noGrp="1" noRot="1" noChangeAspect="1"/>
+          </p:cNvSpPr>
+          <p:nvPr>
+            <p:ph type="sldImg"/>
+          </p:nvPr>
+        </p:nvSpPr>
+        <p:spPr/>
+      </p:sp>
+      <p:sp>
+        <p:nvSpPr>
+          <p:cNvPr id="3" name="Notes Placeholder 2"/>
+          <p:cNvSpPr>
+            <a:spLocks noGrp="1"/>
+          </p:cNvSpPr>
+          <p:nvPr>
+            <p:ph type="body" idx="1"/>
+          </p:nvPr>
+        </p:nvSpPr>
+        <p:spPr/>
+        <p:txBody>
+          <a:bodyPr/>
+          <a:lstStyle/>
+          <a:p>
+            <a:r>
+              <a:rPr lang="en-US" dirty="0"/>
+              <a:t>Through trying multiple values, we found that the best results calculated by our detection algorithm came from for window size that were no longer than 2 times the acceptable error (i.e., 2 times half a second). </a:t>
+            </a:r>
+          </a:p>
+          <a:p>
+            <a:endParaRPr lang="en-US" dirty="0"/>
+          </a:p>
+          <a:p>
+            <a:r>
+              <a:rPr lang="en-US" dirty="0"/>
+              <a:t>We then varied the thresholding parameters between 0.1 and 0.5 and based on a select sample of traces, we found the combination that yielded the highest sample F-1 Score. (0.35 for P-Prob and 0.2 for S-Prob)</a:t>
+            </a:r>
+          </a:p>
+          <a:p>
+            <a:endParaRPr lang="en-US" dirty="0"/>
+          </a:p>
+          <a:p>
+            <a:r>
+              <a:rPr lang="en-US" dirty="0"/>
+              <a:t>From these chosen parameters as well as a few other restrictions based on the detection criteria, we could then translate the identified window into the </a:t>
+            </a:r>
+            <a:r>
+              <a:rPr lang="en-US" dirty="0" err="1"/>
+              <a:t>UTCDateTime</a:t>
+            </a:r>
+            <a:r>
+              <a:rPr lang="en-US" dirty="0"/>
+              <a:t> object expected.</a:t>
+            </a:r>
+          </a:p>
+        </p:txBody>
+      </p:sp>
+      <p:sp>
+        <p:nvSpPr>
+          <p:cNvPr id="4" name="Slide Number Placeholder 3"/>
+          <p:cNvSpPr>
+            <a:spLocks noGrp="1"/>
+          </p:cNvSpPr>
+          <p:nvPr>
+            <p:ph type="sldNum" sz="quarter" idx="5"/>
+          </p:nvPr>
+        </p:nvSpPr>
+        <p:spPr/>
+        <p:txBody>
+          <a:bodyPr/>
+          <a:lstStyle/>
+          <a:p>
+            <a:fld id="{B3534B77-ABF4-2448-A921-657BB92F87C7}" type="slidenum">
+              <a:rPr lang="en-US" smtClean="0"/>
+              <a:t>6</a:t>
+            </a:fld>
+            <a:endParaRPr lang="en-US"/>
+          </a:p>
+        </p:txBody>
+      </p:sp>
+    </p:spTree>
+    <p:extLst>
+      <p:ext uri="{BB962C8B-B14F-4D97-AF65-F5344CB8AC3E}">
+        <p14:creationId xmlns:p14="http://schemas.microsoft.com/office/powerpoint/2010/main" val="3811415736"/>
       </p:ext>
     </p:extLst>
   </p:cSld>
@@ -9047,7 +9219,7 @@
           </p:nvPr>
         </p:nvPicPr>
         <p:blipFill>
-          <a:blip r:embed="rId2"/>
+          <a:blip r:embed="rId3"/>
           <a:srcRect/>
           <a:stretch/>
         </p:blipFill>
@@ -9272,7 +9444,7 @@
       <p:sp>
         <p:nvSpPr>
           <p:cNvPr id="19" name="TextBox 18">
-            <a:hlinkClick r:id="rId3" action="ppaction://hlinksldjump"/>
+            <a:hlinkClick r:id="rId4" action="ppaction://hlinksldjump"/>
             <a:extLst>
               <a:ext uri="{FF2B5EF4-FFF2-40B4-BE49-F238E27FC236}">
                 <a16:creationId xmlns:a16="http://schemas.microsoft.com/office/drawing/2014/main" id="{0E4E8683-7544-9241-8FEF-E52D6AA42698}"/>
@@ -9318,7 +9490,7 @@
       <p:sp>
         <p:nvSpPr>
           <p:cNvPr id="20" name="TextBox 19">
-            <a:hlinkClick r:id="rId4" action="ppaction://hlinksldjump"/>
+            <a:hlinkClick r:id="rId5" action="ppaction://hlinksldjump"/>
             <a:extLst>
               <a:ext uri="{FF2B5EF4-FFF2-40B4-BE49-F238E27FC236}">
                 <a16:creationId xmlns:a16="http://schemas.microsoft.com/office/drawing/2014/main" id="{72C0012A-AD9D-1F4E-A98E-F711391EA7F7}"/>
@@ -9464,7 +9636,7 @@
           <a:p>
             <a:r>
               <a:rPr lang="en-US" sz="4800" dirty="0"/>
-              <a:t>Q&amp;A</a:t>
+              <a:t>Thank You</a:t>
             </a:r>
           </a:p>
         </p:txBody>
